--- a/paper/tex/fig/junctionDef.pptx
+++ b/paper/tex/fig/junctionDef.pptx
@@ -2,12 +2,12 @@
 <file path=ppt/presentation.xml><?xml version="1.0" encoding="utf-8"?>
 <p:presentation xmlns:a="http://schemas.openxmlformats.org/drawingml/2006/main" xmlns:r="http://schemas.openxmlformats.org/officeDocument/2006/relationships" xmlns:p="http://schemas.openxmlformats.org/presentationml/2006/main" saveSubsetFonts="1">
   <p:sldMasterIdLst>
-    <p:sldMasterId id="2147483684" r:id="rId1"/>
+    <p:sldMasterId id="2147483696" r:id="rId1"/>
   </p:sldMasterIdLst>
   <p:sldIdLst>
     <p:sldId id="256" r:id="rId2"/>
   </p:sldIdLst>
-  <p:sldSz cx="3095625" cy="1800225"/>
+  <p:sldSz cx="3095625" cy="1439863"/>
   <p:notesSz cx="6858000" cy="9144000"/>
   <p:custDataLst>
     <p:tags r:id="rId3"/>
@@ -144,15 +144,15 @@
         </p:nvSpPr>
         <p:spPr>
           <a:xfrm>
-            <a:off x="386953" y="294620"/>
-            <a:ext cx="2321719" cy="626745"/>
+            <a:off x="386953" y="235644"/>
+            <a:ext cx="2321719" cy="501286"/>
           </a:xfrm>
         </p:spPr>
         <p:txBody>
           <a:bodyPr anchor="b"/>
           <a:lstStyle>
             <a:lvl1pPr algn="ctr">
-              <a:defRPr sz="1523"/>
+              <a:defRPr sz="1260"/>
             </a:lvl1pPr>
           </a:lstStyle>
           <a:p>
@@ -176,8 +176,8 @@
         </p:nvSpPr>
         <p:spPr>
           <a:xfrm>
-            <a:off x="386953" y="945535"/>
-            <a:ext cx="2321719" cy="434638"/>
+            <a:off x="386953" y="756262"/>
+            <a:ext cx="2321719" cy="347633"/>
           </a:xfrm>
         </p:spPr>
         <p:txBody>
@@ -185,39 +185,39 @@
           <a:lstStyle>
             <a:lvl1pPr marL="0" indent="0" algn="ctr">
               <a:buNone/>
-              <a:defRPr sz="609"/>
+              <a:defRPr sz="504"/>
             </a:lvl1pPr>
-            <a:lvl2pPr marL="116083" indent="0" algn="ctr">
-              <a:buNone/>
-              <a:defRPr sz="508"/>
+            <a:lvl2pPr marL="96012" indent="0" algn="ctr">
+              <a:buNone/>
+              <a:defRPr sz="420"/>
             </a:lvl2pPr>
-            <a:lvl3pPr marL="232166" indent="0" algn="ctr">
-              <a:buNone/>
-              <a:defRPr sz="457"/>
+            <a:lvl3pPr marL="192024" indent="0" algn="ctr">
+              <a:buNone/>
+              <a:defRPr sz="378"/>
             </a:lvl3pPr>
-            <a:lvl4pPr marL="348249" indent="0" algn="ctr">
-              <a:buNone/>
-              <a:defRPr sz="406"/>
+            <a:lvl4pPr marL="288036" indent="0" algn="ctr">
+              <a:buNone/>
+              <a:defRPr sz="336"/>
             </a:lvl4pPr>
-            <a:lvl5pPr marL="464332" indent="0" algn="ctr">
-              <a:buNone/>
-              <a:defRPr sz="406"/>
+            <a:lvl5pPr marL="384048" indent="0" algn="ctr">
+              <a:buNone/>
+              <a:defRPr sz="336"/>
             </a:lvl5pPr>
-            <a:lvl6pPr marL="580415" indent="0" algn="ctr">
-              <a:buNone/>
-              <a:defRPr sz="406"/>
+            <a:lvl6pPr marL="480060" indent="0" algn="ctr">
+              <a:buNone/>
+              <a:defRPr sz="336"/>
             </a:lvl6pPr>
-            <a:lvl7pPr marL="696498" indent="0" algn="ctr">
-              <a:buNone/>
-              <a:defRPr sz="406"/>
+            <a:lvl7pPr marL="576072" indent="0" algn="ctr">
+              <a:buNone/>
+              <a:defRPr sz="336"/>
             </a:lvl7pPr>
-            <a:lvl8pPr marL="812582" indent="0" algn="ctr">
-              <a:buNone/>
-              <a:defRPr sz="406"/>
+            <a:lvl8pPr marL="672084" indent="0" algn="ctr">
+              <a:buNone/>
+              <a:defRPr sz="336"/>
             </a:lvl8pPr>
-            <a:lvl9pPr marL="928665" indent="0" algn="ctr">
-              <a:buNone/>
-              <a:defRPr sz="406"/>
+            <a:lvl9pPr marL="768096" indent="0" algn="ctr">
+              <a:buNone/>
+              <a:defRPr sz="336"/>
             </a:lvl9pPr>
           </a:lstStyle>
           <a:p>
@@ -297,7 +297,7 @@
     </p:spTree>
     <p:extLst>
       <p:ext uri="{BB962C8B-B14F-4D97-AF65-F5344CB8AC3E}">
-        <p14:creationId xmlns:p14="http://schemas.microsoft.com/office/powerpoint/2010/main" val="4129888747"/>
+        <p14:creationId xmlns:p14="http://schemas.microsoft.com/office/powerpoint/2010/main" val="1809747896"/>
       </p:ext>
     </p:extLst>
   </p:cSld>
@@ -467,7 +467,7 @@
     </p:spTree>
     <p:extLst>
       <p:ext uri="{BB962C8B-B14F-4D97-AF65-F5344CB8AC3E}">
-        <p14:creationId xmlns:p14="http://schemas.microsoft.com/office/powerpoint/2010/main" val="1286449014"/>
+        <p14:creationId xmlns:p14="http://schemas.microsoft.com/office/powerpoint/2010/main" val="1503279728"/>
       </p:ext>
     </p:extLst>
   </p:cSld>
@@ -506,8 +506,8 @@
         </p:nvSpPr>
         <p:spPr>
           <a:xfrm>
-            <a:off x="2215307" y="95846"/>
-            <a:ext cx="667494" cy="1525607"/>
+            <a:off x="2215307" y="76660"/>
+            <a:ext cx="667494" cy="1220217"/>
           </a:xfrm>
         </p:spPr>
         <p:txBody>
@@ -534,8 +534,8 @@
         </p:nvSpPr>
         <p:spPr>
           <a:xfrm>
-            <a:off x="212824" y="95846"/>
-            <a:ext cx="1963787" cy="1525607"/>
+            <a:off x="212824" y="76660"/>
+            <a:ext cx="1963787" cy="1220217"/>
           </a:xfrm>
         </p:spPr>
         <p:txBody>
@@ -647,7 +647,7 @@
     </p:spTree>
     <p:extLst>
       <p:ext uri="{BB962C8B-B14F-4D97-AF65-F5344CB8AC3E}">
-        <p14:creationId xmlns:p14="http://schemas.microsoft.com/office/powerpoint/2010/main" val="339736765"/>
+        <p14:creationId xmlns:p14="http://schemas.microsoft.com/office/powerpoint/2010/main" val="1860221156"/>
       </p:ext>
     </p:extLst>
   </p:cSld>
@@ -817,7 +817,7 @@
     </p:spTree>
     <p:extLst>
       <p:ext uri="{BB962C8B-B14F-4D97-AF65-F5344CB8AC3E}">
-        <p14:creationId xmlns:p14="http://schemas.microsoft.com/office/powerpoint/2010/main" val="1555923731"/>
+        <p14:creationId xmlns:p14="http://schemas.microsoft.com/office/powerpoint/2010/main" val="1706338132"/>
       </p:ext>
     </p:extLst>
   </p:cSld>
@@ -856,15 +856,15 @@
         </p:nvSpPr>
         <p:spPr>
           <a:xfrm>
-            <a:off x="211212" y="448807"/>
-            <a:ext cx="2669977" cy="748843"/>
+            <a:off x="211212" y="358966"/>
+            <a:ext cx="2669977" cy="598943"/>
           </a:xfrm>
         </p:spPr>
         <p:txBody>
           <a:bodyPr anchor="b"/>
           <a:lstStyle>
             <a:lvl1pPr>
-              <a:defRPr sz="1523"/>
+              <a:defRPr sz="1260"/>
             </a:lvl1pPr>
           </a:lstStyle>
           <a:p>
@@ -888,8 +888,8 @@
         </p:nvSpPr>
         <p:spPr>
           <a:xfrm>
-            <a:off x="211212" y="1204734"/>
-            <a:ext cx="2669977" cy="393799"/>
+            <a:off x="211212" y="963575"/>
+            <a:ext cx="2669977" cy="314970"/>
           </a:xfrm>
         </p:spPr>
         <p:txBody>
@@ -897,7 +897,7 @@
           <a:lstStyle>
             <a:lvl1pPr marL="0" indent="0">
               <a:buNone/>
-              <a:defRPr sz="609">
+              <a:defRPr sz="504">
                 <a:solidFill>
                   <a:schemeClr val="tx1">
                     <a:tint val="75000"/>
@@ -905,9 +905,9 @@
                 </a:solidFill>
               </a:defRPr>
             </a:lvl1pPr>
-            <a:lvl2pPr marL="116083" indent="0">
-              <a:buNone/>
-              <a:defRPr sz="508">
+            <a:lvl2pPr marL="96012" indent="0">
+              <a:buNone/>
+              <a:defRPr sz="420">
                 <a:solidFill>
                   <a:schemeClr val="tx1">
                     <a:tint val="75000"/>
@@ -915,9 +915,9 @@
                 </a:solidFill>
               </a:defRPr>
             </a:lvl2pPr>
-            <a:lvl3pPr marL="232166" indent="0">
-              <a:buNone/>
-              <a:defRPr sz="457">
+            <a:lvl3pPr marL="192024" indent="0">
+              <a:buNone/>
+              <a:defRPr sz="378">
                 <a:solidFill>
                   <a:schemeClr val="tx1">
                     <a:tint val="75000"/>
@@ -925,9 +925,9 @@
                 </a:solidFill>
               </a:defRPr>
             </a:lvl3pPr>
-            <a:lvl4pPr marL="348249" indent="0">
-              <a:buNone/>
-              <a:defRPr sz="406">
+            <a:lvl4pPr marL="288036" indent="0">
+              <a:buNone/>
+              <a:defRPr sz="336">
                 <a:solidFill>
                   <a:schemeClr val="tx1">
                     <a:tint val="75000"/>
@@ -935,9 +935,9 @@
                 </a:solidFill>
               </a:defRPr>
             </a:lvl4pPr>
-            <a:lvl5pPr marL="464332" indent="0">
-              <a:buNone/>
-              <a:defRPr sz="406">
+            <a:lvl5pPr marL="384048" indent="0">
+              <a:buNone/>
+              <a:defRPr sz="336">
                 <a:solidFill>
                   <a:schemeClr val="tx1">
                     <a:tint val="75000"/>
@@ -945,9 +945,9 @@
                 </a:solidFill>
               </a:defRPr>
             </a:lvl5pPr>
-            <a:lvl6pPr marL="580415" indent="0">
-              <a:buNone/>
-              <a:defRPr sz="406">
+            <a:lvl6pPr marL="480060" indent="0">
+              <a:buNone/>
+              <a:defRPr sz="336">
                 <a:solidFill>
                   <a:schemeClr val="tx1">
                     <a:tint val="75000"/>
@@ -955,9 +955,9 @@
                 </a:solidFill>
               </a:defRPr>
             </a:lvl6pPr>
-            <a:lvl7pPr marL="696498" indent="0">
-              <a:buNone/>
-              <a:defRPr sz="406">
+            <a:lvl7pPr marL="576072" indent="0">
+              <a:buNone/>
+              <a:defRPr sz="336">
                 <a:solidFill>
                   <a:schemeClr val="tx1">
                     <a:tint val="75000"/>
@@ -965,9 +965,9 @@
                 </a:solidFill>
               </a:defRPr>
             </a:lvl7pPr>
-            <a:lvl8pPr marL="812582" indent="0">
-              <a:buNone/>
-              <a:defRPr sz="406">
+            <a:lvl8pPr marL="672084" indent="0">
+              <a:buNone/>
+              <a:defRPr sz="336">
                 <a:solidFill>
                   <a:schemeClr val="tx1">
                     <a:tint val="75000"/>
@@ -975,9 +975,9 @@
                 </a:solidFill>
               </a:defRPr>
             </a:lvl8pPr>
-            <a:lvl9pPr marL="928665" indent="0">
-              <a:buNone/>
-              <a:defRPr sz="406">
+            <a:lvl9pPr marL="768096" indent="0">
+              <a:buNone/>
+              <a:defRPr sz="336">
                 <a:solidFill>
                   <a:schemeClr val="tx1">
                     <a:tint val="75000"/>
@@ -1063,7 +1063,7 @@
     </p:spTree>
     <p:extLst>
       <p:ext uri="{BB962C8B-B14F-4D97-AF65-F5344CB8AC3E}">
-        <p14:creationId xmlns:p14="http://schemas.microsoft.com/office/powerpoint/2010/main" val="3819335582"/>
+        <p14:creationId xmlns:p14="http://schemas.microsoft.com/office/powerpoint/2010/main" val="1703319256"/>
       </p:ext>
     </p:extLst>
   </p:cSld>
@@ -1125,8 +1125,8 @@
         </p:nvSpPr>
         <p:spPr>
           <a:xfrm>
-            <a:off x="212824" y="479227"/>
-            <a:ext cx="1315641" cy="1142226"/>
+            <a:off x="212824" y="383297"/>
+            <a:ext cx="1315641" cy="913580"/>
           </a:xfrm>
         </p:spPr>
         <p:txBody>
@@ -1182,8 +1182,8 @@
         </p:nvSpPr>
         <p:spPr>
           <a:xfrm>
-            <a:off x="1567160" y="479227"/>
-            <a:ext cx="1315641" cy="1142226"/>
+            <a:off x="1567160" y="383297"/>
+            <a:ext cx="1315641" cy="913580"/>
           </a:xfrm>
         </p:spPr>
         <p:txBody>
@@ -1295,7 +1295,7 @@
     </p:spTree>
     <p:extLst>
       <p:ext uri="{BB962C8B-B14F-4D97-AF65-F5344CB8AC3E}">
-        <p14:creationId xmlns:p14="http://schemas.microsoft.com/office/powerpoint/2010/main" val="1412357193"/>
+        <p14:creationId xmlns:p14="http://schemas.microsoft.com/office/powerpoint/2010/main" val="2494281802"/>
       </p:ext>
     </p:extLst>
   </p:cSld>
@@ -1334,8 +1334,8 @@
         </p:nvSpPr>
         <p:spPr>
           <a:xfrm>
-            <a:off x="213227" y="95846"/>
-            <a:ext cx="2669977" cy="347960"/>
+            <a:off x="213227" y="76659"/>
+            <a:ext cx="2669977" cy="278307"/>
           </a:xfrm>
         </p:spPr>
         <p:txBody>
@@ -1362,8 +1362,8 @@
         </p:nvSpPr>
         <p:spPr>
           <a:xfrm>
-            <a:off x="213228" y="441305"/>
-            <a:ext cx="1309594" cy="216277"/>
+            <a:off x="213228" y="352967"/>
+            <a:ext cx="1309594" cy="172983"/>
           </a:xfrm>
         </p:spPr>
         <p:txBody>
@@ -1371,39 +1371,39 @@
           <a:lstStyle>
             <a:lvl1pPr marL="0" indent="0">
               <a:buNone/>
-              <a:defRPr sz="609" b="1"/>
+              <a:defRPr sz="504" b="1"/>
             </a:lvl1pPr>
-            <a:lvl2pPr marL="116083" indent="0">
-              <a:buNone/>
-              <a:defRPr sz="508" b="1"/>
+            <a:lvl2pPr marL="96012" indent="0">
+              <a:buNone/>
+              <a:defRPr sz="420" b="1"/>
             </a:lvl2pPr>
-            <a:lvl3pPr marL="232166" indent="0">
-              <a:buNone/>
-              <a:defRPr sz="457" b="1"/>
+            <a:lvl3pPr marL="192024" indent="0">
+              <a:buNone/>
+              <a:defRPr sz="378" b="1"/>
             </a:lvl3pPr>
-            <a:lvl4pPr marL="348249" indent="0">
-              <a:buNone/>
-              <a:defRPr sz="406" b="1"/>
+            <a:lvl4pPr marL="288036" indent="0">
+              <a:buNone/>
+              <a:defRPr sz="336" b="1"/>
             </a:lvl4pPr>
-            <a:lvl5pPr marL="464332" indent="0">
-              <a:buNone/>
-              <a:defRPr sz="406" b="1"/>
+            <a:lvl5pPr marL="384048" indent="0">
+              <a:buNone/>
+              <a:defRPr sz="336" b="1"/>
             </a:lvl5pPr>
-            <a:lvl6pPr marL="580415" indent="0">
-              <a:buNone/>
-              <a:defRPr sz="406" b="1"/>
+            <a:lvl6pPr marL="480060" indent="0">
+              <a:buNone/>
+              <a:defRPr sz="336" b="1"/>
             </a:lvl6pPr>
-            <a:lvl7pPr marL="696498" indent="0">
-              <a:buNone/>
-              <a:defRPr sz="406" b="1"/>
+            <a:lvl7pPr marL="576072" indent="0">
+              <a:buNone/>
+              <a:defRPr sz="336" b="1"/>
             </a:lvl7pPr>
-            <a:lvl8pPr marL="812582" indent="0">
-              <a:buNone/>
-              <a:defRPr sz="406" b="1"/>
+            <a:lvl8pPr marL="672084" indent="0">
+              <a:buNone/>
+              <a:defRPr sz="336" b="1"/>
             </a:lvl8pPr>
-            <a:lvl9pPr marL="928665" indent="0">
-              <a:buNone/>
-              <a:defRPr sz="406" b="1"/>
+            <a:lvl9pPr marL="768096" indent="0">
+              <a:buNone/>
+              <a:defRPr sz="336" b="1"/>
             </a:lvl9pPr>
           </a:lstStyle>
           <a:p>
@@ -1427,8 +1427,8 @@
         </p:nvSpPr>
         <p:spPr>
           <a:xfrm>
-            <a:off x="213228" y="657582"/>
-            <a:ext cx="1309594" cy="967204"/>
+            <a:off x="213228" y="525950"/>
+            <a:ext cx="1309594" cy="773593"/>
           </a:xfrm>
         </p:spPr>
         <p:txBody>
@@ -1484,8 +1484,8 @@
         </p:nvSpPr>
         <p:spPr>
           <a:xfrm>
-            <a:off x="1567160" y="441305"/>
-            <a:ext cx="1316044" cy="216277"/>
+            <a:off x="1567160" y="352967"/>
+            <a:ext cx="1316044" cy="172983"/>
           </a:xfrm>
         </p:spPr>
         <p:txBody>
@@ -1493,39 +1493,39 @@
           <a:lstStyle>
             <a:lvl1pPr marL="0" indent="0">
               <a:buNone/>
-              <a:defRPr sz="609" b="1"/>
+              <a:defRPr sz="504" b="1"/>
             </a:lvl1pPr>
-            <a:lvl2pPr marL="116083" indent="0">
-              <a:buNone/>
-              <a:defRPr sz="508" b="1"/>
+            <a:lvl2pPr marL="96012" indent="0">
+              <a:buNone/>
+              <a:defRPr sz="420" b="1"/>
             </a:lvl2pPr>
-            <a:lvl3pPr marL="232166" indent="0">
-              <a:buNone/>
-              <a:defRPr sz="457" b="1"/>
+            <a:lvl3pPr marL="192024" indent="0">
+              <a:buNone/>
+              <a:defRPr sz="378" b="1"/>
             </a:lvl3pPr>
-            <a:lvl4pPr marL="348249" indent="0">
-              <a:buNone/>
-              <a:defRPr sz="406" b="1"/>
+            <a:lvl4pPr marL="288036" indent="0">
+              <a:buNone/>
+              <a:defRPr sz="336" b="1"/>
             </a:lvl4pPr>
-            <a:lvl5pPr marL="464332" indent="0">
-              <a:buNone/>
-              <a:defRPr sz="406" b="1"/>
+            <a:lvl5pPr marL="384048" indent="0">
+              <a:buNone/>
+              <a:defRPr sz="336" b="1"/>
             </a:lvl5pPr>
-            <a:lvl6pPr marL="580415" indent="0">
-              <a:buNone/>
-              <a:defRPr sz="406" b="1"/>
+            <a:lvl6pPr marL="480060" indent="0">
+              <a:buNone/>
+              <a:defRPr sz="336" b="1"/>
             </a:lvl6pPr>
-            <a:lvl7pPr marL="696498" indent="0">
-              <a:buNone/>
-              <a:defRPr sz="406" b="1"/>
+            <a:lvl7pPr marL="576072" indent="0">
+              <a:buNone/>
+              <a:defRPr sz="336" b="1"/>
             </a:lvl7pPr>
-            <a:lvl8pPr marL="812582" indent="0">
-              <a:buNone/>
-              <a:defRPr sz="406" b="1"/>
+            <a:lvl8pPr marL="672084" indent="0">
+              <a:buNone/>
+              <a:defRPr sz="336" b="1"/>
             </a:lvl8pPr>
-            <a:lvl9pPr marL="928665" indent="0">
-              <a:buNone/>
-              <a:defRPr sz="406" b="1"/>
+            <a:lvl9pPr marL="768096" indent="0">
+              <a:buNone/>
+              <a:defRPr sz="336" b="1"/>
             </a:lvl9pPr>
           </a:lstStyle>
           <a:p>
@@ -1549,8 +1549,8 @@
         </p:nvSpPr>
         <p:spPr>
           <a:xfrm>
-            <a:off x="1567160" y="657582"/>
-            <a:ext cx="1316044" cy="967204"/>
+            <a:off x="1567160" y="525950"/>
+            <a:ext cx="1316044" cy="773593"/>
           </a:xfrm>
         </p:spPr>
         <p:txBody>
@@ -1662,7 +1662,7 @@
     </p:spTree>
     <p:extLst>
       <p:ext uri="{BB962C8B-B14F-4D97-AF65-F5344CB8AC3E}">
-        <p14:creationId xmlns:p14="http://schemas.microsoft.com/office/powerpoint/2010/main" val="1266576514"/>
+        <p14:creationId xmlns:p14="http://schemas.microsoft.com/office/powerpoint/2010/main" val="520286882"/>
       </p:ext>
     </p:extLst>
   </p:cSld>
@@ -1780,7 +1780,7 @@
     </p:spTree>
     <p:extLst>
       <p:ext uri="{BB962C8B-B14F-4D97-AF65-F5344CB8AC3E}">
-        <p14:creationId xmlns:p14="http://schemas.microsoft.com/office/powerpoint/2010/main" val="1584484548"/>
+        <p14:creationId xmlns:p14="http://schemas.microsoft.com/office/powerpoint/2010/main" val="1368324681"/>
       </p:ext>
     </p:extLst>
   </p:cSld>
@@ -1875,7 +1875,7 @@
     </p:spTree>
     <p:extLst>
       <p:ext uri="{BB962C8B-B14F-4D97-AF65-F5344CB8AC3E}">
-        <p14:creationId xmlns:p14="http://schemas.microsoft.com/office/powerpoint/2010/main" val="2602204660"/>
+        <p14:creationId xmlns:p14="http://schemas.microsoft.com/office/powerpoint/2010/main" val="4088021145"/>
       </p:ext>
     </p:extLst>
   </p:cSld>
@@ -1914,15 +1914,15 @@
         </p:nvSpPr>
         <p:spPr>
           <a:xfrm>
-            <a:off x="213227" y="120015"/>
-            <a:ext cx="998420" cy="420053"/>
+            <a:off x="213227" y="95991"/>
+            <a:ext cx="998420" cy="335968"/>
           </a:xfrm>
         </p:spPr>
         <p:txBody>
           <a:bodyPr anchor="b"/>
           <a:lstStyle>
             <a:lvl1pPr>
-              <a:defRPr sz="812"/>
+              <a:defRPr sz="672"/>
             </a:lvl1pPr>
           </a:lstStyle>
           <a:p>
@@ -1946,39 +1946,39 @@
         </p:nvSpPr>
         <p:spPr>
           <a:xfrm>
-            <a:off x="1316044" y="259199"/>
-            <a:ext cx="1567160" cy="1279327"/>
+            <a:off x="1316044" y="207314"/>
+            <a:ext cx="1567160" cy="1023236"/>
           </a:xfrm>
         </p:spPr>
         <p:txBody>
           <a:bodyPr/>
           <a:lstStyle>
             <a:lvl1pPr>
-              <a:defRPr sz="812"/>
+              <a:defRPr sz="672"/>
             </a:lvl1pPr>
             <a:lvl2pPr>
-              <a:defRPr sz="711"/>
+              <a:defRPr sz="588"/>
             </a:lvl2pPr>
             <a:lvl3pPr>
-              <a:defRPr sz="609"/>
+              <a:defRPr sz="504"/>
             </a:lvl3pPr>
             <a:lvl4pPr>
-              <a:defRPr sz="508"/>
+              <a:defRPr sz="420"/>
             </a:lvl4pPr>
             <a:lvl5pPr>
-              <a:defRPr sz="508"/>
+              <a:defRPr sz="420"/>
             </a:lvl5pPr>
             <a:lvl6pPr>
-              <a:defRPr sz="508"/>
+              <a:defRPr sz="420"/>
             </a:lvl6pPr>
             <a:lvl7pPr>
-              <a:defRPr sz="508"/>
+              <a:defRPr sz="420"/>
             </a:lvl7pPr>
             <a:lvl8pPr>
-              <a:defRPr sz="508"/>
+              <a:defRPr sz="420"/>
             </a:lvl8pPr>
             <a:lvl9pPr>
-              <a:defRPr sz="508"/>
+              <a:defRPr sz="420"/>
             </a:lvl9pPr>
           </a:lstStyle>
           <a:p>
@@ -2031,8 +2031,8 @@
         </p:nvSpPr>
         <p:spPr>
           <a:xfrm>
-            <a:off x="213227" y="540067"/>
-            <a:ext cx="998420" cy="1000542"/>
+            <a:off x="213227" y="431959"/>
+            <a:ext cx="998420" cy="800257"/>
           </a:xfrm>
         </p:spPr>
         <p:txBody>
@@ -2040,39 +2040,39 @@
           <a:lstStyle>
             <a:lvl1pPr marL="0" indent="0">
               <a:buNone/>
-              <a:defRPr sz="406"/>
+              <a:defRPr sz="336"/>
             </a:lvl1pPr>
-            <a:lvl2pPr marL="116083" indent="0">
-              <a:buNone/>
-              <a:defRPr sz="355"/>
+            <a:lvl2pPr marL="96012" indent="0">
+              <a:buNone/>
+              <a:defRPr sz="294"/>
             </a:lvl2pPr>
-            <a:lvl3pPr marL="232166" indent="0">
-              <a:buNone/>
-              <a:defRPr sz="305"/>
+            <a:lvl3pPr marL="192024" indent="0">
+              <a:buNone/>
+              <a:defRPr sz="252"/>
             </a:lvl3pPr>
-            <a:lvl4pPr marL="348249" indent="0">
-              <a:buNone/>
-              <a:defRPr sz="254"/>
+            <a:lvl4pPr marL="288036" indent="0">
+              <a:buNone/>
+              <a:defRPr sz="210"/>
             </a:lvl4pPr>
-            <a:lvl5pPr marL="464332" indent="0">
-              <a:buNone/>
-              <a:defRPr sz="254"/>
+            <a:lvl5pPr marL="384048" indent="0">
+              <a:buNone/>
+              <a:defRPr sz="210"/>
             </a:lvl5pPr>
-            <a:lvl6pPr marL="580415" indent="0">
-              <a:buNone/>
-              <a:defRPr sz="254"/>
+            <a:lvl6pPr marL="480060" indent="0">
+              <a:buNone/>
+              <a:defRPr sz="210"/>
             </a:lvl6pPr>
-            <a:lvl7pPr marL="696498" indent="0">
-              <a:buNone/>
-              <a:defRPr sz="254"/>
+            <a:lvl7pPr marL="576072" indent="0">
+              <a:buNone/>
+              <a:defRPr sz="210"/>
             </a:lvl7pPr>
-            <a:lvl8pPr marL="812582" indent="0">
-              <a:buNone/>
-              <a:defRPr sz="254"/>
+            <a:lvl8pPr marL="672084" indent="0">
+              <a:buNone/>
+              <a:defRPr sz="210"/>
             </a:lvl8pPr>
-            <a:lvl9pPr marL="928665" indent="0">
-              <a:buNone/>
-              <a:defRPr sz="254"/>
+            <a:lvl9pPr marL="768096" indent="0">
+              <a:buNone/>
+              <a:defRPr sz="210"/>
             </a:lvl9pPr>
           </a:lstStyle>
           <a:p>
@@ -2152,7 +2152,7 @@
     </p:spTree>
     <p:extLst>
       <p:ext uri="{BB962C8B-B14F-4D97-AF65-F5344CB8AC3E}">
-        <p14:creationId xmlns:p14="http://schemas.microsoft.com/office/powerpoint/2010/main" val="1733787513"/>
+        <p14:creationId xmlns:p14="http://schemas.microsoft.com/office/powerpoint/2010/main" val="627958854"/>
       </p:ext>
     </p:extLst>
   </p:cSld>
@@ -2191,15 +2191,15 @@
         </p:nvSpPr>
         <p:spPr>
           <a:xfrm>
-            <a:off x="213227" y="120015"/>
-            <a:ext cx="998420" cy="420053"/>
+            <a:off x="213227" y="95991"/>
+            <a:ext cx="998420" cy="335968"/>
           </a:xfrm>
         </p:spPr>
         <p:txBody>
           <a:bodyPr anchor="b"/>
           <a:lstStyle>
             <a:lvl1pPr>
-              <a:defRPr sz="812"/>
+              <a:defRPr sz="672"/>
             </a:lvl1pPr>
           </a:lstStyle>
           <a:p>
@@ -2223,8 +2223,8 @@
         </p:nvSpPr>
         <p:spPr>
           <a:xfrm>
-            <a:off x="1316044" y="259199"/>
-            <a:ext cx="1567160" cy="1279327"/>
+            <a:off x="1316044" y="207314"/>
+            <a:ext cx="1567160" cy="1023236"/>
           </a:xfrm>
         </p:spPr>
         <p:txBody>
@@ -2232,39 +2232,39 @@
           <a:lstStyle>
             <a:lvl1pPr marL="0" indent="0">
               <a:buNone/>
-              <a:defRPr sz="812"/>
+              <a:defRPr sz="672"/>
             </a:lvl1pPr>
-            <a:lvl2pPr marL="116083" indent="0">
-              <a:buNone/>
-              <a:defRPr sz="711"/>
+            <a:lvl2pPr marL="96012" indent="0">
+              <a:buNone/>
+              <a:defRPr sz="588"/>
             </a:lvl2pPr>
-            <a:lvl3pPr marL="232166" indent="0">
-              <a:buNone/>
-              <a:defRPr sz="609"/>
+            <a:lvl3pPr marL="192024" indent="0">
+              <a:buNone/>
+              <a:defRPr sz="504"/>
             </a:lvl3pPr>
-            <a:lvl4pPr marL="348249" indent="0">
-              <a:buNone/>
-              <a:defRPr sz="508"/>
+            <a:lvl4pPr marL="288036" indent="0">
+              <a:buNone/>
+              <a:defRPr sz="420"/>
             </a:lvl4pPr>
-            <a:lvl5pPr marL="464332" indent="0">
-              <a:buNone/>
-              <a:defRPr sz="508"/>
+            <a:lvl5pPr marL="384048" indent="0">
+              <a:buNone/>
+              <a:defRPr sz="420"/>
             </a:lvl5pPr>
-            <a:lvl6pPr marL="580415" indent="0">
-              <a:buNone/>
-              <a:defRPr sz="508"/>
+            <a:lvl6pPr marL="480060" indent="0">
+              <a:buNone/>
+              <a:defRPr sz="420"/>
             </a:lvl6pPr>
-            <a:lvl7pPr marL="696498" indent="0">
-              <a:buNone/>
-              <a:defRPr sz="508"/>
+            <a:lvl7pPr marL="576072" indent="0">
+              <a:buNone/>
+              <a:defRPr sz="420"/>
             </a:lvl7pPr>
-            <a:lvl8pPr marL="812582" indent="0">
-              <a:buNone/>
-              <a:defRPr sz="508"/>
+            <a:lvl8pPr marL="672084" indent="0">
+              <a:buNone/>
+              <a:defRPr sz="420"/>
             </a:lvl8pPr>
-            <a:lvl9pPr marL="928665" indent="0">
-              <a:buNone/>
-              <a:defRPr sz="508"/>
+            <a:lvl9pPr marL="768096" indent="0">
+              <a:buNone/>
+              <a:defRPr sz="420"/>
             </a:lvl9pPr>
           </a:lstStyle>
           <a:p>
@@ -2288,8 +2288,8 @@
         </p:nvSpPr>
         <p:spPr>
           <a:xfrm>
-            <a:off x="213227" y="540067"/>
-            <a:ext cx="998420" cy="1000542"/>
+            <a:off x="213227" y="431959"/>
+            <a:ext cx="998420" cy="800257"/>
           </a:xfrm>
         </p:spPr>
         <p:txBody>
@@ -2297,39 +2297,39 @@
           <a:lstStyle>
             <a:lvl1pPr marL="0" indent="0">
               <a:buNone/>
-              <a:defRPr sz="406"/>
+              <a:defRPr sz="336"/>
             </a:lvl1pPr>
-            <a:lvl2pPr marL="116083" indent="0">
-              <a:buNone/>
-              <a:defRPr sz="355"/>
+            <a:lvl2pPr marL="96012" indent="0">
+              <a:buNone/>
+              <a:defRPr sz="294"/>
             </a:lvl2pPr>
-            <a:lvl3pPr marL="232166" indent="0">
-              <a:buNone/>
-              <a:defRPr sz="305"/>
+            <a:lvl3pPr marL="192024" indent="0">
+              <a:buNone/>
+              <a:defRPr sz="252"/>
             </a:lvl3pPr>
-            <a:lvl4pPr marL="348249" indent="0">
-              <a:buNone/>
-              <a:defRPr sz="254"/>
+            <a:lvl4pPr marL="288036" indent="0">
+              <a:buNone/>
+              <a:defRPr sz="210"/>
             </a:lvl4pPr>
-            <a:lvl5pPr marL="464332" indent="0">
-              <a:buNone/>
-              <a:defRPr sz="254"/>
+            <a:lvl5pPr marL="384048" indent="0">
+              <a:buNone/>
+              <a:defRPr sz="210"/>
             </a:lvl5pPr>
-            <a:lvl6pPr marL="580415" indent="0">
-              <a:buNone/>
-              <a:defRPr sz="254"/>
+            <a:lvl6pPr marL="480060" indent="0">
+              <a:buNone/>
+              <a:defRPr sz="210"/>
             </a:lvl6pPr>
-            <a:lvl7pPr marL="696498" indent="0">
-              <a:buNone/>
-              <a:defRPr sz="254"/>
+            <a:lvl7pPr marL="576072" indent="0">
+              <a:buNone/>
+              <a:defRPr sz="210"/>
             </a:lvl7pPr>
-            <a:lvl8pPr marL="812582" indent="0">
-              <a:buNone/>
-              <a:defRPr sz="254"/>
+            <a:lvl8pPr marL="672084" indent="0">
+              <a:buNone/>
+              <a:defRPr sz="210"/>
             </a:lvl8pPr>
-            <a:lvl9pPr marL="928665" indent="0">
-              <a:buNone/>
-              <a:defRPr sz="254"/>
+            <a:lvl9pPr marL="768096" indent="0">
+              <a:buNone/>
+              <a:defRPr sz="210"/>
             </a:lvl9pPr>
           </a:lstStyle>
           <a:p>
@@ -2409,7 +2409,7 @@
     </p:spTree>
     <p:extLst>
       <p:ext uri="{BB962C8B-B14F-4D97-AF65-F5344CB8AC3E}">
-        <p14:creationId xmlns:p14="http://schemas.microsoft.com/office/powerpoint/2010/main" val="3590240492"/>
+        <p14:creationId xmlns:p14="http://schemas.microsoft.com/office/powerpoint/2010/main" val="3326599646"/>
       </p:ext>
     </p:extLst>
   </p:cSld>
@@ -2453,8 +2453,8 @@
         </p:nvSpPr>
         <p:spPr>
           <a:xfrm>
-            <a:off x="212824" y="95846"/>
-            <a:ext cx="2669977" cy="347960"/>
+            <a:off x="212824" y="76659"/>
+            <a:ext cx="2669977" cy="278307"/>
           </a:xfrm>
           <a:prstGeom prst="rect">
             <a:avLst/>
@@ -2486,8 +2486,8 @@
         </p:nvSpPr>
         <p:spPr>
           <a:xfrm>
-            <a:off x="212824" y="479227"/>
-            <a:ext cx="2669977" cy="1142226"/>
+            <a:off x="212824" y="383297"/>
+            <a:ext cx="2669977" cy="913580"/>
           </a:xfrm>
           <a:prstGeom prst="rect">
             <a:avLst/>
@@ -2548,8 +2548,8 @@
         </p:nvSpPr>
         <p:spPr>
           <a:xfrm>
-            <a:off x="212824" y="1668542"/>
-            <a:ext cx="696516" cy="95845"/>
+            <a:off x="212824" y="1334540"/>
+            <a:ext cx="696516" cy="76659"/>
           </a:xfrm>
           <a:prstGeom prst="rect">
             <a:avLst/>
@@ -2559,7 +2559,7 @@
           <a:bodyPr vert="horz" lIns="91440" tIns="45720" rIns="91440" bIns="45720" rtlCol="0" anchor="ctr"/>
           <a:lstStyle>
             <a:lvl1pPr algn="l">
-              <a:defRPr sz="305">
+              <a:defRPr sz="252">
                 <a:solidFill>
                   <a:schemeClr val="tx1">
                     <a:tint val="75000"/>
@@ -2589,8 +2589,8 @@
         </p:nvSpPr>
         <p:spPr>
           <a:xfrm>
-            <a:off x="1025426" y="1668542"/>
-            <a:ext cx="1044773" cy="95845"/>
+            <a:off x="1025426" y="1334540"/>
+            <a:ext cx="1044773" cy="76659"/>
           </a:xfrm>
           <a:prstGeom prst="rect">
             <a:avLst/>
@@ -2600,7 +2600,7 @@
           <a:bodyPr vert="horz" lIns="91440" tIns="45720" rIns="91440" bIns="45720" rtlCol="0" anchor="ctr"/>
           <a:lstStyle>
             <a:lvl1pPr algn="ctr">
-              <a:defRPr sz="305">
+              <a:defRPr sz="252">
                 <a:solidFill>
                   <a:schemeClr val="tx1">
                     <a:tint val="75000"/>
@@ -2626,8 +2626,8 @@
         </p:nvSpPr>
         <p:spPr>
           <a:xfrm>
-            <a:off x="2186285" y="1668542"/>
-            <a:ext cx="696516" cy="95845"/>
+            <a:off x="2186285" y="1334540"/>
+            <a:ext cx="696516" cy="76659"/>
           </a:xfrm>
           <a:prstGeom prst="rect">
             <a:avLst/>
@@ -2637,7 +2637,7 @@
           <a:bodyPr vert="horz" lIns="91440" tIns="45720" rIns="91440" bIns="45720" rtlCol="0" anchor="ctr"/>
           <a:lstStyle>
             <a:lvl1pPr algn="r">
-              <a:defRPr sz="305">
+              <a:defRPr sz="252">
                 <a:solidFill>
                   <a:schemeClr val="tx1">
                     <a:tint val="75000"/>
@@ -2667,20 +2667,20 @@
             </p:custDataLst>
             <p:extLst>
               <p:ext uri="{D42A27DB-BD31-4B8C-83A1-F6EECF244321}">
-                <p14:modId xmlns:p14="http://schemas.microsoft.com/office/powerpoint/2010/main" val="3123283386"/>
+                <p14:modId xmlns:p14="http://schemas.microsoft.com/office/powerpoint/2010/main" val="2099507201"/>
               </p:ext>
             </p:extLst>
           </p:nvPr>
         </p:nvGraphicFramePr>
         <p:xfrm>
-          <a:off x="405" y="418"/>
-          <a:ext cx="403" cy="416"/>
+          <a:off x="406" y="334"/>
+          <a:ext cx="403" cy="333"/>
         </p:xfrm>
         <a:graphic>
           <a:graphicData uri="http://schemas.openxmlformats.org/presentationml/2006/ole">
             <mc:AlternateContent xmlns:mc="http://schemas.openxmlformats.org/markup-compatibility/2006">
               <mc:Choice xmlns:v="urn:schemas-microsoft-com:vml" Requires="v">
-                <p:oleObj spid="_x0000_s3077" name="think-cell Folie" r:id="rId16" imgW="384" imgH="384" progId="TCLayout.ActiveDocument.1">
+                <p:oleObj spid="_x0000_s4099" name="think-cell Folie" r:id="rId16" imgW="384" imgH="384" progId="TCLayout.ActiveDocument.1">
                   <p:embed/>
                 </p:oleObj>
               </mc:Choice>
@@ -2701,8 +2701,8 @@
                     </p:blipFill>
                     <p:spPr>
                       <a:xfrm>
-                        <a:off x="405" y="418"/>
-                        <a:ext cx="403" cy="416"/>
+                        <a:off x="406" y="334"/>
+                        <a:ext cx="403" cy="333"/>
                       </a:xfrm>
                       <a:prstGeom prst="rect">
                         <a:avLst/>
@@ -2727,8 +2727,8 @@
         </p:nvSpPr>
         <p:spPr>
           <a:xfrm>
-            <a:off x="0" y="0"/>
-            <a:ext cx="40308" cy="41671"/>
+            <a:off x="0" y="1"/>
+            <a:ext cx="40308" cy="33329"/>
           </a:xfrm>
           <a:prstGeom prst="rect">
             <a:avLst/>
@@ -2760,7 +2760,7 @@
           <a:lstStyle/>
           <a:p>
             <a:pPr marL="0" lvl="0" indent="0" algn="ctr" eaLnBrk="1"/>
-            <a:endParaRPr lang="de-DE" sz="1117" b="0" i="0" baseline="0" dirty="0">
+            <a:endParaRPr lang="de-DE" sz="924" b="0" i="0" baseline="0" dirty="0">
               <a:latin typeface="Calibri Light" panose="020F0302020204030204" pitchFamily="34" charset="0"/>
               <a:ea typeface="+mj-ea"/>
               <a:cs typeface="+mj-cs"/>
@@ -2772,27 +2772,27 @@
     </p:spTree>
     <p:extLst>
       <p:ext uri="{BB962C8B-B14F-4D97-AF65-F5344CB8AC3E}">
-        <p14:creationId xmlns:p14="http://schemas.microsoft.com/office/powerpoint/2010/main" val="3355590867"/>
+        <p14:creationId xmlns:p14="http://schemas.microsoft.com/office/powerpoint/2010/main" val="621930101"/>
       </p:ext>
     </p:extLst>
   </p:cSld>
   <p:clrMap bg1="lt1" tx1="dk1" bg2="lt2" tx2="dk2" accent1="accent1" accent2="accent2" accent3="accent3" accent4="accent4" accent5="accent5" accent6="accent6" hlink="hlink" folHlink="folHlink"/>
   <p:sldLayoutIdLst>
-    <p:sldLayoutId id="2147483685" r:id="rId1"/>
-    <p:sldLayoutId id="2147483686" r:id="rId2"/>
-    <p:sldLayoutId id="2147483687" r:id="rId3"/>
-    <p:sldLayoutId id="2147483688" r:id="rId4"/>
-    <p:sldLayoutId id="2147483689" r:id="rId5"/>
-    <p:sldLayoutId id="2147483690" r:id="rId6"/>
-    <p:sldLayoutId id="2147483691" r:id="rId7"/>
-    <p:sldLayoutId id="2147483692" r:id="rId8"/>
-    <p:sldLayoutId id="2147483693" r:id="rId9"/>
-    <p:sldLayoutId id="2147483694" r:id="rId10"/>
-    <p:sldLayoutId id="2147483695" r:id="rId11"/>
+    <p:sldLayoutId id="2147483697" r:id="rId1"/>
+    <p:sldLayoutId id="2147483698" r:id="rId2"/>
+    <p:sldLayoutId id="2147483699" r:id="rId3"/>
+    <p:sldLayoutId id="2147483700" r:id="rId4"/>
+    <p:sldLayoutId id="2147483701" r:id="rId5"/>
+    <p:sldLayoutId id="2147483702" r:id="rId6"/>
+    <p:sldLayoutId id="2147483703" r:id="rId7"/>
+    <p:sldLayoutId id="2147483704" r:id="rId8"/>
+    <p:sldLayoutId id="2147483705" r:id="rId9"/>
+    <p:sldLayoutId id="2147483706" r:id="rId10"/>
+    <p:sldLayoutId id="2147483707" r:id="rId11"/>
   </p:sldLayoutIdLst>
   <p:txStyles>
     <p:titleStyle>
-      <a:lvl1pPr algn="l" defTabSz="232166" rtl="0" eaLnBrk="1" latinLnBrk="0" hangingPunct="1">
+      <a:lvl1pPr algn="l" defTabSz="192024" rtl="0" eaLnBrk="1" latinLnBrk="0" hangingPunct="1">
         <a:lnSpc>
           <a:spcPct val="90000"/>
         </a:lnSpc>
@@ -2800,7 +2800,7 @@
           <a:spcPct val="0"/>
         </a:spcBef>
         <a:buNone/>
-        <a:defRPr sz="1117" kern="1200">
+        <a:defRPr sz="924" kern="1200">
           <a:solidFill>
             <a:schemeClr val="tx1"/>
           </a:solidFill>
@@ -2811,16 +2811,16 @@
       </a:lvl1pPr>
     </p:titleStyle>
     <p:bodyStyle>
-      <a:lvl1pPr marL="58042" indent="-58042" algn="l" defTabSz="232166" rtl="0" eaLnBrk="1" latinLnBrk="0" hangingPunct="1">
+      <a:lvl1pPr marL="48006" indent="-48006" algn="l" defTabSz="192024" rtl="0" eaLnBrk="1" latinLnBrk="0" hangingPunct="1">
         <a:lnSpc>
           <a:spcPct val="90000"/>
         </a:lnSpc>
         <a:spcBef>
-          <a:spcPts val="254"/>
+          <a:spcPts val="210"/>
         </a:spcBef>
         <a:buFont typeface="Arial" panose="020B0604020202020204" pitchFamily="34" charset="0"/>
         <a:buChar char="•"/>
-        <a:defRPr sz="711" kern="1200">
+        <a:defRPr sz="588" kern="1200">
           <a:solidFill>
             <a:schemeClr val="tx1"/>
           </a:solidFill>
@@ -2829,16 +2829,16 @@
           <a:cs typeface="+mn-cs"/>
         </a:defRPr>
       </a:lvl1pPr>
-      <a:lvl2pPr marL="174125" indent="-58042" algn="l" defTabSz="232166" rtl="0" eaLnBrk="1" latinLnBrk="0" hangingPunct="1">
+      <a:lvl2pPr marL="144018" indent="-48006" algn="l" defTabSz="192024" rtl="0" eaLnBrk="1" latinLnBrk="0" hangingPunct="1">
         <a:lnSpc>
           <a:spcPct val="90000"/>
         </a:lnSpc>
         <a:spcBef>
-          <a:spcPts val="127"/>
+          <a:spcPts val="105"/>
         </a:spcBef>
         <a:buFont typeface="Arial" panose="020B0604020202020204" pitchFamily="34" charset="0"/>
         <a:buChar char="•"/>
-        <a:defRPr sz="609" kern="1200">
+        <a:defRPr sz="504" kern="1200">
           <a:solidFill>
             <a:schemeClr val="tx1"/>
           </a:solidFill>
@@ -2847,16 +2847,16 @@
           <a:cs typeface="+mn-cs"/>
         </a:defRPr>
       </a:lvl2pPr>
-      <a:lvl3pPr marL="290208" indent="-58042" algn="l" defTabSz="232166" rtl="0" eaLnBrk="1" latinLnBrk="0" hangingPunct="1">
+      <a:lvl3pPr marL="240030" indent="-48006" algn="l" defTabSz="192024" rtl="0" eaLnBrk="1" latinLnBrk="0" hangingPunct="1">
         <a:lnSpc>
           <a:spcPct val="90000"/>
         </a:lnSpc>
         <a:spcBef>
-          <a:spcPts val="127"/>
+          <a:spcPts val="105"/>
         </a:spcBef>
         <a:buFont typeface="Arial" panose="020B0604020202020204" pitchFamily="34" charset="0"/>
         <a:buChar char="•"/>
-        <a:defRPr sz="508" kern="1200">
+        <a:defRPr sz="420" kern="1200">
           <a:solidFill>
             <a:schemeClr val="tx1"/>
           </a:solidFill>
@@ -2865,16 +2865,16 @@
           <a:cs typeface="+mn-cs"/>
         </a:defRPr>
       </a:lvl3pPr>
-      <a:lvl4pPr marL="406291" indent="-58042" algn="l" defTabSz="232166" rtl="0" eaLnBrk="1" latinLnBrk="0" hangingPunct="1">
+      <a:lvl4pPr marL="336042" indent="-48006" algn="l" defTabSz="192024" rtl="0" eaLnBrk="1" latinLnBrk="0" hangingPunct="1">
         <a:lnSpc>
           <a:spcPct val="90000"/>
         </a:lnSpc>
         <a:spcBef>
-          <a:spcPts val="127"/>
+          <a:spcPts val="105"/>
         </a:spcBef>
         <a:buFont typeface="Arial" panose="020B0604020202020204" pitchFamily="34" charset="0"/>
         <a:buChar char="•"/>
-        <a:defRPr sz="457" kern="1200">
+        <a:defRPr sz="378" kern="1200">
           <a:solidFill>
             <a:schemeClr val="tx1"/>
           </a:solidFill>
@@ -2883,16 +2883,16 @@
           <a:cs typeface="+mn-cs"/>
         </a:defRPr>
       </a:lvl4pPr>
-      <a:lvl5pPr marL="522374" indent="-58042" algn="l" defTabSz="232166" rtl="0" eaLnBrk="1" latinLnBrk="0" hangingPunct="1">
+      <a:lvl5pPr marL="432054" indent="-48006" algn="l" defTabSz="192024" rtl="0" eaLnBrk="1" latinLnBrk="0" hangingPunct="1">
         <a:lnSpc>
           <a:spcPct val="90000"/>
         </a:lnSpc>
         <a:spcBef>
-          <a:spcPts val="127"/>
+          <a:spcPts val="105"/>
         </a:spcBef>
         <a:buFont typeface="Arial" panose="020B0604020202020204" pitchFamily="34" charset="0"/>
         <a:buChar char="•"/>
-        <a:defRPr sz="457" kern="1200">
+        <a:defRPr sz="378" kern="1200">
           <a:solidFill>
             <a:schemeClr val="tx1"/>
           </a:solidFill>
@@ -2901,16 +2901,16 @@
           <a:cs typeface="+mn-cs"/>
         </a:defRPr>
       </a:lvl5pPr>
-      <a:lvl6pPr marL="638457" indent="-58042" algn="l" defTabSz="232166" rtl="0" eaLnBrk="1" latinLnBrk="0" hangingPunct="1">
+      <a:lvl6pPr marL="528066" indent="-48006" algn="l" defTabSz="192024" rtl="0" eaLnBrk="1" latinLnBrk="0" hangingPunct="1">
         <a:lnSpc>
           <a:spcPct val="90000"/>
         </a:lnSpc>
         <a:spcBef>
-          <a:spcPts val="127"/>
+          <a:spcPts val="105"/>
         </a:spcBef>
         <a:buFont typeface="Arial" panose="020B0604020202020204" pitchFamily="34" charset="0"/>
         <a:buChar char="•"/>
-        <a:defRPr sz="457" kern="1200">
+        <a:defRPr sz="378" kern="1200">
           <a:solidFill>
             <a:schemeClr val="tx1"/>
           </a:solidFill>
@@ -2919,16 +2919,16 @@
           <a:cs typeface="+mn-cs"/>
         </a:defRPr>
       </a:lvl6pPr>
-      <a:lvl7pPr marL="754540" indent="-58042" algn="l" defTabSz="232166" rtl="0" eaLnBrk="1" latinLnBrk="0" hangingPunct="1">
+      <a:lvl7pPr marL="624078" indent="-48006" algn="l" defTabSz="192024" rtl="0" eaLnBrk="1" latinLnBrk="0" hangingPunct="1">
         <a:lnSpc>
           <a:spcPct val="90000"/>
         </a:lnSpc>
         <a:spcBef>
-          <a:spcPts val="127"/>
+          <a:spcPts val="105"/>
         </a:spcBef>
         <a:buFont typeface="Arial" panose="020B0604020202020204" pitchFamily="34" charset="0"/>
         <a:buChar char="•"/>
-        <a:defRPr sz="457" kern="1200">
+        <a:defRPr sz="378" kern="1200">
           <a:solidFill>
             <a:schemeClr val="tx1"/>
           </a:solidFill>
@@ -2937,16 +2937,16 @@
           <a:cs typeface="+mn-cs"/>
         </a:defRPr>
       </a:lvl7pPr>
-      <a:lvl8pPr marL="870623" indent="-58042" algn="l" defTabSz="232166" rtl="0" eaLnBrk="1" latinLnBrk="0" hangingPunct="1">
+      <a:lvl8pPr marL="720090" indent="-48006" algn="l" defTabSz="192024" rtl="0" eaLnBrk="1" latinLnBrk="0" hangingPunct="1">
         <a:lnSpc>
           <a:spcPct val="90000"/>
         </a:lnSpc>
         <a:spcBef>
-          <a:spcPts val="127"/>
+          <a:spcPts val="105"/>
         </a:spcBef>
         <a:buFont typeface="Arial" panose="020B0604020202020204" pitchFamily="34" charset="0"/>
         <a:buChar char="•"/>
-        <a:defRPr sz="457" kern="1200">
+        <a:defRPr sz="378" kern="1200">
           <a:solidFill>
             <a:schemeClr val="tx1"/>
           </a:solidFill>
@@ -2955,16 +2955,16 @@
           <a:cs typeface="+mn-cs"/>
         </a:defRPr>
       </a:lvl8pPr>
-      <a:lvl9pPr marL="986706" indent="-58042" algn="l" defTabSz="232166" rtl="0" eaLnBrk="1" latinLnBrk="0" hangingPunct="1">
+      <a:lvl9pPr marL="816102" indent="-48006" algn="l" defTabSz="192024" rtl="0" eaLnBrk="1" latinLnBrk="0" hangingPunct="1">
         <a:lnSpc>
           <a:spcPct val="90000"/>
         </a:lnSpc>
         <a:spcBef>
-          <a:spcPts val="127"/>
+          <a:spcPts val="105"/>
         </a:spcBef>
         <a:buFont typeface="Arial" panose="020B0604020202020204" pitchFamily="34" charset="0"/>
         <a:buChar char="•"/>
-        <a:defRPr sz="457" kern="1200">
+        <a:defRPr sz="378" kern="1200">
           <a:solidFill>
             <a:schemeClr val="tx1"/>
           </a:solidFill>
@@ -2978,8 +2978,8 @@
       <a:defPPr>
         <a:defRPr lang="en-US"/>
       </a:defPPr>
-      <a:lvl1pPr marL="0" algn="l" defTabSz="232166" rtl="0" eaLnBrk="1" latinLnBrk="0" hangingPunct="1">
-        <a:defRPr sz="457" kern="1200">
+      <a:lvl1pPr marL="0" algn="l" defTabSz="192024" rtl="0" eaLnBrk="1" latinLnBrk="0" hangingPunct="1">
+        <a:defRPr sz="378" kern="1200">
           <a:solidFill>
             <a:schemeClr val="tx1"/>
           </a:solidFill>
@@ -2988,8 +2988,8 @@
           <a:cs typeface="+mn-cs"/>
         </a:defRPr>
       </a:lvl1pPr>
-      <a:lvl2pPr marL="116083" algn="l" defTabSz="232166" rtl="0" eaLnBrk="1" latinLnBrk="0" hangingPunct="1">
-        <a:defRPr sz="457" kern="1200">
+      <a:lvl2pPr marL="96012" algn="l" defTabSz="192024" rtl="0" eaLnBrk="1" latinLnBrk="0" hangingPunct="1">
+        <a:defRPr sz="378" kern="1200">
           <a:solidFill>
             <a:schemeClr val="tx1"/>
           </a:solidFill>
@@ -2998,8 +2998,8 @@
           <a:cs typeface="+mn-cs"/>
         </a:defRPr>
       </a:lvl2pPr>
-      <a:lvl3pPr marL="232166" algn="l" defTabSz="232166" rtl="0" eaLnBrk="1" latinLnBrk="0" hangingPunct="1">
-        <a:defRPr sz="457" kern="1200">
+      <a:lvl3pPr marL="192024" algn="l" defTabSz="192024" rtl="0" eaLnBrk="1" latinLnBrk="0" hangingPunct="1">
+        <a:defRPr sz="378" kern="1200">
           <a:solidFill>
             <a:schemeClr val="tx1"/>
           </a:solidFill>
@@ -3008,8 +3008,8 @@
           <a:cs typeface="+mn-cs"/>
         </a:defRPr>
       </a:lvl3pPr>
-      <a:lvl4pPr marL="348249" algn="l" defTabSz="232166" rtl="0" eaLnBrk="1" latinLnBrk="0" hangingPunct="1">
-        <a:defRPr sz="457" kern="1200">
+      <a:lvl4pPr marL="288036" algn="l" defTabSz="192024" rtl="0" eaLnBrk="1" latinLnBrk="0" hangingPunct="1">
+        <a:defRPr sz="378" kern="1200">
           <a:solidFill>
             <a:schemeClr val="tx1"/>
           </a:solidFill>
@@ -3018,8 +3018,8 @@
           <a:cs typeface="+mn-cs"/>
         </a:defRPr>
       </a:lvl4pPr>
-      <a:lvl5pPr marL="464332" algn="l" defTabSz="232166" rtl="0" eaLnBrk="1" latinLnBrk="0" hangingPunct="1">
-        <a:defRPr sz="457" kern="1200">
+      <a:lvl5pPr marL="384048" algn="l" defTabSz="192024" rtl="0" eaLnBrk="1" latinLnBrk="0" hangingPunct="1">
+        <a:defRPr sz="378" kern="1200">
           <a:solidFill>
             <a:schemeClr val="tx1"/>
           </a:solidFill>
@@ -3028,8 +3028,8 @@
           <a:cs typeface="+mn-cs"/>
         </a:defRPr>
       </a:lvl5pPr>
-      <a:lvl6pPr marL="580415" algn="l" defTabSz="232166" rtl="0" eaLnBrk="1" latinLnBrk="0" hangingPunct="1">
-        <a:defRPr sz="457" kern="1200">
+      <a:lvl6pPr marL="480060" algn="l" defTabSz="192024" rtl="0" eaLnBrk="1" latinLnBrk="0" hangingPunct="1">
+        <a:defRPr sz="378" kern="1200">
           <a:solidFill>
             <a:schemeClr val="tx1"/>
           </a:solidFill>
@@ -3038,8 +3038,8 @@
           <a:cs typeface="+mn-cs"/>
         </a:defRPr>
       </a:lvl6pPr>
-      <a:lvl7pPr marL="696498" algn="l" defTabSz="232166" rtl="0" eaLnBrk="1" latinLnBrk="0" hangingPunct="1">
-        <a:defRPr sz="457" kern="1200">
+      <a:lvl7pPr marL="576072" algn="l" defTabSz="192024" rtl="0" eaLnBrk="1" latinLnBrk="0" hangingPunct="1">
+        <a:defRPr sz="378" kern="1200">
           <a:solidFill>
             <a:schemeClr val="tx1"/>
           </a:solidFill>
@@ -3048,8 +3048,8 @@
           <a:cs typeface="+mn-cs"/>
         </a:defRPr>
       </a:lvl7pPr>
-      <a:lvl8pPr marL="812582" algn="l" defTabSz="232166" rtl="0" eaLnBrk="1" latinLnBrk="0" hangingPunct="1">
-        <a:defRPr sz="457" kern="1200">
+      <a:lvl8pPr marL="672084" algn="l" defTabSz="192024" rtl="0" eaLnBrk="1" latinLnBrk="0" hangingPunct="1">
+        <a:defRPr sz="378" kern="1200">
           <a:solidFill>
             <a:schemeClr val="tx1"/>
           </a:solidFill>
@@ -3058,8 +3058,8 @@
           <a:cs typeface="+mn-cs"/>
         </a:defRPr>
       </a:lvl8pPr>
-      <a:lvl9pPr marL="928665" algn="l" defTabSz="232166" rtl="0" eaLnBrk="1" latinLnBrk="0" hangingPunct="1">
-        <a:defRPr sz="457" kern="1200">
+      <a:lvl9pPr marL="768096" algn="l" defTabSz="192024" rtl="0" eaLnBrk="1" latinLnBrk="0" hangingPunct="1">
+        <a:defRPr sz="378" kern="1200">
           <a:solidFill>
             <a:schemeClr val="tx1"/>
           </a:solidFill>
@@ -3102,7 +3102,7 @@
             </p:custDataLst>
             <p:extLst>
               <p:ext uri="{D42A27DB-BD31-4B8C-83A1-F6EECF244321}">
-                <p14:modId xmlns:p14="http://schemas.microsoft.com/office/powerpoint/2010/main" val="2874501861"/>
+                <p14:modId xmlns:p14="http://schemas.microsoft.com/office/powerpoint/2010/main" val="718240064"/>
               </p:ext>
             </p:extLst>
           </p:nvPr>
@@ -3115,7 +3115,7 @@
           <a:graphicData uri="http://schemas.openxmlformats.org/presentationml/2006/ole">
             <mc:AlternateContent xmlns:mc="http://schemas.openxmlformats.org/markup-compatibility/2006">
               <mc:Choice xmlns:v="urn:schemas-microsoft-com:vml" Requires="v">
-                <p:oleObj spid="_x0000_s2057" name="think-cell Folie" r:id="rId4" imgW="384" imgH="384" progId="TCLayout.ActiveDocument.1">
+                <p:oleObj spid="_x0000_s2059" name="think-cell Folie" r:id="rId4" imgW="384" imgH="384" progId="TCLayout.ActiveDocument.1">
                   <p:embed/>
                 </p:oleObj>
               </mc:Choice>
@@ -3164,8 +3164,8 @@
         </p:nvSpPr>
         <p:spPr>
           <a:xfrm>
-            <a:off x="2127746" y="1009195"/>
-            <a:ext cx="451100" cy="456497"/>
+            <a:off x="2200458" y="957060"/>
+            <a:ext cx="354658" cy="358901"/>
           </a:xfrm>
           <a:prstGeom prst="arc">
             <a:avLst>
@@ -3214,7 +3214,7 @@
             </p:nvSpPr>
             <p:spPr>
               <a:xfrm>
-                <a:off x="73568" y="1546423"/>
+                <a:off x="165644" y="1112242"/>
                 <a:ext cx="493405" cy="215444"/>
               </a:xfrm>
               <a:prstGeom prst="rect">
@@ -3237,7 +3237,7 @@
                       <m:sSub>
                         <m:sSubPr>
                           <m:ctrlPr>
-                            <a:rPr lang="de-DE" sz="800" i="1" dirty="0" smtClean="0">
+                            <a:rPr lang="de-DE" sz="800" i="1" dirty="0">
                               <a:latin typeface="Cambria Math" panose="02040503050406030204" pitchFamily="18" charset="0"/>
                               <a:cs typeface="Times New Roman" panose="02020603050405020304" pitchFamily="18" charset="0"/>
                             </a:rPr>
@@ -3245,7 +3245,7 @@
                         </m:sSubPr>
                         <m:e>
                           <m:r>
-                            <a:rPr lang="de-DE" sz="800" i="1" dirty="0" smtClean="0">
+                            <a:rPr lang="de-DE" sz="800" i="1" dirty="0">
                               <a:latin typeface="Cambria Math" panose="02040503050406030204" pitchFamily="18" charset="0"/>
                               <a:cs typeface="Times New Roman" panose="02020603050405020304" pitchFamily="18" charset="0"/>
                             </a:rPr>
@@ -3254,7 +3254,7 @@
                         </m:e>
                         <m:sub>
                           <m:r>
-                            <a:rPr lang="de-DE" sz="800" b="0" i="1" dirty="0" smtClean="0">
+                            <a:rPr lang="de-DE" sz="800" i="1" dirty="0">
                               <a:latin typeface="Cambria Math" panose="02040503050406030204" pitchFamily="18" charset="0"/>
                               <a:cs typeface="Times New Roman" panose="02020603050405020304" pitchFamily="18" charset="0"/>
                             </a:rPr>
@@ -3263,7 +3263,7 @@
                         </m:sub>
                       </m:sSub>
                       <m:r>
-                        <a:rPr lang="de-DE" sz="800" b="0" i="1" dirty="0" smtClean="0">
+                        <a:rPr lang="de-DE" sz="800" i="1" dirty="0">
                           <a:latin typeface="Cambria Math" panose="02040503050406030204" pitchFamily="18" charset="0"/>
                           <a:cs typeface="Times New Roman" panose="02020603050405020304" pitchFamily="18" charset="0"/>
                         </a:rPr>
@@ -3291,7 +3291,7 @@
             </p:nvSpPr>
             <p:spPr>
               <a:xfrm>
-                <a:off x="73568" y="1546423"/>
+                <a:off x="165644" y="1112242"/>
                 <a:ext cx="493405" cy="215444"/>
               </a:xfrm>
               <a:prstGeom prst="rect">
@@ -3329,7 +3329,7 @@
             </p:nvSpPr>
             <p:spPr>
               <a:xfrm>
-                <a:off x="609350" y="654116"/>
+                <a:off x="701425" y="416785"/>
                 <a:ext cx="301044" cy="215444"/>
               </a:xfrm>
               <a:prstGeom prst="rect">
@@ -3352,7 +3352,7 @@
                       <m:sSub>
                         <m:sSubPr>
                           <m:ctrlPr>
-                            <a:rPr lang="de-DE" sz="800" i="1" dirty="0" smtClean="0">
+                            <a:rPr lang="de-DE" sz="800" i="1" dirty="0">
                               <a:latin typeface="Cambria Math" panose="02040503050406030204" pitchFamily="18" charset="0"/>
                               <a:cs typeface="Times New Roman" panose="02020603050405020304" pitchFamily="18" charset="0"/>
                             </a:rPr>
@@ -3360,7 +3360,7 @@
                         </m:sSubPr>
                         <m:e>
                           <m:r>
-                            <a:rPr lang="de-DE" sz="800" i="1" dirty="0" smtClean="0">
+                            <a:rPr lang="de-DE" sz="800" i="1" dirty="0">
                               <a:latin typeface="Cambria Math" panose="02040503050406030204" pitchFamily="18" charset="0"/>
                               <a:cs typeface="Times New Roman" panose="02020603050405020304" pitchFamily="18" charset="0"/>
                             </a:rPr>
@@ -3369,7 +3369,7 @@
                         </m:e>
                         <m:sub>
                           <m:r>
-                            <a:rPr lang="de-DE" sz="800" i="1" dirty="0" smtClean="0">
+                            <a:rPr lang="de-DE" sz="800" i="1" dirty="0">
                               <a:latin typeface="Cambria Math" panose="02040503050406030204" pitchFamily="18" charset="0"/>
                               <a:cs typeface="Times New Roman" panose="02020603050405020304" pitchFamily="18" charset="0"/>
                             </a:rPr>
@@ -3399,7 +3399,7 @@
             </p:nvSpPr>
             <p:spPr>
               <a:xfrm>
-                <a:off x="609350" y="654116"/>
+                <a:off x="701425" y="416785"/>
                 <a:ext cx="301044" cy="215444"/>
               </a:xfrm>
               <a:prstGeom prst="rect">
@@ -3435,7 +3435,7 @@
         </p:nvSpPr>
         <p:spPr>
           <a:xfrm>
-            <a:off x="-97321" y="-52437"/>
+            <a:off x="-94146" y="-77043"/>
             <a:ext cx="285656" cy="246221"/>
           </a:xfrm>
           <a:prstGeom prst="rect">
@@ -3471,8 +3471,8 @@
         </p:nvSpPr>
         <p:spPr>
           <a:xfrm>
-            <a:off x="1525856" y="-3065"/>
-            <a:ext cx="303288" cy="263470"/>
+            <a:off x="1529031" y="-77043"/>
+            <a:ext cx="292068" cy="246221"/>
           </a:xfrm>
           <a:prstGeom prst="rect">
             <a:avLst/>
@@ -3486,13 +3486,13 @@
           <a:lstStyle/>
           <a:p>
             <a:r>
-              <a:rPr lang="de-DE" sz="1112" dirty="0">
+              <a:rPr lang="de-DE" sz="1000" dirty="0">
                 <a:latin typeface="Times New Roman" panose="02020603050405020304" pitchFamily="18" charset="0"/>
                 <a:cs typeface="Times New Roman" panose="02020603050405020304" pitchFamily="18" charset="0"/>
               </a:rPr>
               <a:t>b)</a:t>
             </a:r>
-            <a:endParaRPr lang="de-DE" sz="1112" dirty="0">
+            <a:endParaRPr lang="de-DE" sz="1000" dirty="0">
               <a:latin typeface="Times New Roman" panose="02020603050405020304" pitchFamily="18" charset="0"/>
               <a:cs typeface="Times New Roman" panose="02020603050405020304" pitchFamily="18" charset="0"/>
             </a:endParaRPr>
@@ -3515,8 +3515,8 @@
         </p:nvCxnSpPr>
         <p:spPr>
           <a:xfrm flipV="1">
-            <a:off x="153470" y="152980"/>
-            <a:ext cx="0" cy="720000"/>
+            <a:off x="243409" y="131648"/>
+            <a:ext cx="0" cy="504000"/>
           </a:xfrm>
           <a:prstGeom prst="straightConnector1">
             <a:avLst/>
@@ -3548,7 +3548,7 @@
         </p:nvCxnSpPr>
         <p:spPr>
           <a:xfrm>
-            <a:off x="151334" y="872980"/>
+            <a:off x="243410" y="635649"/>
             <a:ext cx="1140891" cy="0"/>
           </a:xfrm>
           <a:prstGeom prst="straightConnector1">
@@ -3581,7 +3581,7 @@
             </p:nvSpPr>
             <p:spPr>
               <a:xfrm>
-                <a:off x="60939" y="-33545"/>
+                <a:off x="84359" y="-64501"/>
                 <a:ext cx="318100" cy="215444"/>
               </a:xfrm>
               <a:prstGeom prst="rect">
@@ -3608,7 +3608,7 @@
                       <m:sSub>
                         <m:sSubPr>
                           <m:ctrlPr>
-                            <a:rPr lang="de-DE" sz="800" b="0" i="1" kern="0" smtClean="0">
+                            <a:rPr lang="de-DE" sz="800" i="1" kern="0">
                               <a:solidFill>
                                 <a:srgbClr val="171717"/>
                               </a:solidFill>
@@ -3619,7 +3619,7 @@
                         </m:sSubPr>
                         <m:e>
                           <m:r>
-                            <a:rPr lang="de-DE" sz="800" b="0" i="1" kern="0" smtClean="0">
+                            <a:rPr lang="de-DE" sz="800" i="1" kern="0">
                               <a:solidFill>
                                 <a:srgbClr val="171717"/>
                               </a:solidFill>
@@ -3631,7 +3631,7 @@
                         </m:e>
                         <m:sub>
                           <m:r>
-                            <a:rPr lang="de-DE" sz="800" b="0" i="1" kern="0" smtClean="0">
+                            <a:rPr lang="de-DE" sz="800" i="1" kern="0">
                               <a:solidFill>
                                 <a:srgbClr val="171717"/>
                               </a:solidFill>
@@ -3673,7 +3673,7 @@
             </p:nvSpPr>
             <p:spPr>
               <a:xfrm>
-                <a:off x="60939" y="-33545"/>
+                <a:off x="84359" y="-64501"/>
                 <a:ext cx="318100" cy="215444"/>
               </a:xfrm>
               <a:prstGeom prst="rect">
@@ -3720,8 +3720,8 @@
         </p:nvCxnSpPr>
         <p:spPr>
           <a:xfrm flipV="1">
-            <a:off x="151334" y="1046033"/>
-            <a:ext cx="0" cy="720000"/>
+            <a:off x="243409" y="821010"/>
+            <a:ext cx="0" cy="504000"/>
           </a:xfrm>
           <a:prstGeom prst="straightConnector1">
             <a:avLst/>
@@ -3753,7 +3753,7 @@
         </p:nvCxnSpPr>
         <p:spPr>
           <a:xfrm>
-            <a:off x="151334" y="1766033"/>
+            <a:off x="243409" y="1331852"/>
             <a:ext cx="1141200" cy="0"/>
           </a:xfrm>
           <a:prstGeom prst="straightConnector1">
@@ -3786,7 +3786,7 @@
             </p:nvSpPr>
             <p:spPr>
               <a:xfrm>
-                <a:off x="60939" y="866225"/>
+                <a:off x="83173" y="635244"/>
                 <a:ext cx="320472" cy="215444"/>
               </a:xfrm>
               <a:prstGeom prst="rect">
@@ -3813,7 +3813,7 @@
                       <m:sSub>
                         <m:sSubPr>
                           <m:ctrlPr>
-                            <a:rPr lang="de-DE" sz="800" b="0" i="1" kern="0" smtClean="0">
+                            <a:rPr lang="de-DE" sz="800" i="1" kern="0">
                               <a:solidFill>
                                 <a:srgbClr val="171717"/>
                               </a:solidFill>
@@ -3824,7 +3824,7 @@
                         </m:sSubPr>
                         <m:e>
                           <m:r>
-                            <a:rPr lang="de-DE" sz="800" b="0" i="1" kern="0" smtClean="0">
+                            <a:rPr lang="de-DE" sz="800" i="1" kern="0">
                               <a:solidFill>
                                 <a:srgbClr val="171717"/>
                               </a:solidFill>
@@ -3836,7 +3836,7 @@
                         </m:e>
                         <m:sub>
                           <m:r>
-                            <a:rPr lang="de-DE" sz="800" b="0" i="1" kern="0" smtClean="0">
+                            <a:rPr lang="de-DE" sz="800" i="1" kern="0">
                               <a:solidFill>
                                 <a:srgbClr val="171717"/>
                               </a:solidFill>
@@ -3878,7 +3878,7 @@
             </p:nvSpPr>
             <p:spPr>
               <a:xfrm>
-                <a:off x="60939" y="866225"/>
+                <a:off x="83173" y="635244"/>
                 <a:ext cx="320472" cy="215444"/>
               </a:xfrm>
               <a:prstGeom prst="rect">
@@ -3917,7 +3917,7 @@
         </p:nvSpPr>
         <p:spPr>
           <a:xfrm>
-            <a:off x="151334" y="786958"/>
+            <a:off x="243409" y="549628"/>
             <a:ext cx="1042232" cy="86021"/>
           </a:xfrm>
           <a:custGeom>
@@ -4012,7 +4012,12 @@
           </a:fontRef>
         </p:style>
         <p:txBody>
-          <a:bodyPr rtlCol="0" anchor="ctr"/>
+          <a:bodyPr rot="0" spcFirstLastPara="0" vertOverflow="overflow" horzOverflow="overflow" vert="horz" wrap="square" lIns="91440" tIns="45720" rIns="91440" bIns="45720" numCol="1" spcCol="0" rtlCol="0" fromWordArt="0" anchor="ctr" anchorCtr="0" forceAA="0" compatLnSpc="1">
+            <a:prstTxWarp prst="textNoShape">
+              <a:avLst/>
+            </a:prstTxWarp>
+            <a:noAutofit/>
+          </a:bodyPr>
           <a:lstStyle/>
           <a:p>
             <a:pPr algn="ctr"/>
@@ -4034,8 +4039,8 @@
             </p:nvSpPr>
             <p:spPr>
               <a:xfrm>
-                <a:off x="1079500" y="587288"/>
-                <a:ext cx="363754" cy="215444"/>
+                <a:off x="1171575" y="349957"/>
+                <a:ext cx="414152" cy="215444"/>
               </a:xfrm>
               <a:prstGeom prst="rect">
                 <a:avLst/>
@@ -4055,26 +4060,47 @@
                     </m:oMathParaPr>
                     <m:oMath xmlns:m="http://schemas.openxmlformats.org/officeDocument/2006/math">
                       <m:r>
-                        <a:rPr lang="de-DE" sz="800" b="0" i="1" dirty="0" smtClean="0">
+                        <a:rPr lang="de-DE" sz="800" i="1" dirty="0">
                           <a:latin typeface="Cambria Math" panose="02040503050406030204" pitchFamily="18" charset="0"/>
                           <a:cs typeface="Times New Roman" panose="02020603050405020304" pitchFamily="18" charset="0"/>
                         </a:rPr>
                         <m:t>𝜅</m:t>
                       </m:r>
                       <m:r>
-                        <a:rPr lang="de-DE" sz="800" i="1" dirty="0" smtClean="0">
+                        <a:rPr lang="de-DE" sz="800" i="1" dirty="0">
                           <a:latin typeface="Cambria Math" panose="02040503050406030204" pitchFamily="18" charset="0"/>
                           <a:cs typeface="Times New Roman" panose="02020603050405020304" pitchFamily="18" charset="0"/>
                         </a:rPr>
                         <m:t>, </m:t>
                       </m:r>
-                      <m:r>
-                        <a:rPr lang="de-DE" sz="800" i="1" dirty="0" smtClean="0">
-                          <a:latin typeface="Cambria Math" panose="02040503050406030204" pitchFamily="18" charset="0"/>
-                          <a:cs typeface="Times New Roman" panose="02020603050405020304" pitchFamily="18" charset="0"/>
-                        </a:rPr>
-                        <m:t>𝐿</m:t>
-                      </m:r>
+                      <m:sSub>
+                        <m:sSubPr>
+                          <m:ctrlPr>
+                            <a:rPr lang="de-DE" sz="800" i="1" dirty="0">
+                              <a:latin typeface="Cambria Math" panose="02040503050406030204" pitchFamily="18" charset="0"/>
+                              <a:cs typeface="Times New Roman" panose="02020603050405020304" pitchFamily="18" charset="0"/>
+                            </a:rPr>
+                          </m:ctrlPr>
+                        </m:sSubPr>
+                        <m:e>
+                          <m:r>
+                            <a:rPr lang="de-DE" sz="800" i="1" dirty="0">
+                              <a:latin typeface="Cambria Math" panose="02040503050406030204" pitchFamily="18" charset="0"/>
+                              <a:cs typeface="Times New Roman" panose="02020603050405020304" pitchFamily="18" charset="0"/>
+                            </a:rPr>
+                            <m:t>𝐿</m:t>
+                          </m:r>
+                        </m:e>
+                        <m:sub>
+                          <m:r>
+                            <a:rPr lang="de-DE" sz="800" i="1" dirty="0">
+                              <a:latin typeface="Cambria Math" panose="02040503050406030204" pitchFamily="18" charset="0"/>
+                              <a:cs typeface="Times New Roman" panose="02020603050405020304" pitchFamily="18" charset="0"/>
+                            </a:rPr>
+                            <m:t>𝑎</m:t>
+                          </m:r>
+                        </m:sub>
+                      </m:sSub>
                     </m:oMath>
                   </m:oMathPara>
                 </a14:m>
@@ -4097,8 +4123,8 @@
             </p:nvSpPr>
             <p:spPr>
               <a:xfrm>
-                <a:off x="1079500" y="587288"/>
-                <a:ext cx="363754" cy="215444"/>
+                <a:off x="1171575" y="349957"/>
+                <a:ext cx="414152" cy="215444"/>
               </a:xfrm>
               <a:prstGeom prst="rect">
                 <a:avLst/>
@@ -4133,7 +4159,7 @@
         </p:nvCxnSpPr>
         <p:spPr>
           <a:xfrm>
-            <a:off x="151334" y="1759191"/>
+            <a:off x="243409" y="1325010"/>
             <a:ext cx="720000" cy="0"/>
           </a:xfrm>
           <a:prstGeom prst="line">
@@ -4168,8 +4194,8 @@
             </p:nvSpPr>
             <p:spPr>
               <a:xfrm>
-                <a:off x="782959" y="1582137"/>
-                <a:ext cx="266933" cy="215444"/>
+                <a:off x="875035" y="1147956"/>
+                <a:ext cx="297261" cy="215444"/>
               </a:xfrm>
               <a:prstGeom prst="rect">
                 <a:avLst/>
@@ -4188,13 +4214,34 @@
                       <m:jc m:val="centerGroup"/>
                     </m:oMathParaPr>
                     <m:oMath xmlns:m="http://schemas.openxmlformats.org/officeDocument/2006/math">
-                      <m:r>
-                        <a:rPr lang="de-DE" sz="800" i="1" dirty="0" smtClean="0">
-                          <a:latin typeface="Cambria Math" panose="02040503050406030204" pitchFamily="18" charset="0"/>
-                          <a:cs typeface="Times New Roman" panose="02020603050405020304" pitchFamily="18" charset="0"/>
-                        </a:rPr>
-                        <m:t>𝐿</m:t>
-                      </m:r>
+                      <m:sSub>
+                        <m:sSubPr>
+                          <m:ctrlPr>
+                            <a:rPr lang="de-DE" sz="800" i="1" dirty="0">
+                              <a:latin typeface="Cambria Math" panose="02040503050406030204" pitchFamily="18" charset="0"/>
+                              <a:cs typeface="Times New Roman" panose="02020603050405020304" pitchFamily="18" charset="0"/>
+                            </a:rPr>
+                          </m:ctrlPr>
+                        </m:sSubPr>
+                        <m:e>
+                          <m:r>
+                            <a:rPr lang="de-DE" sz="800" i="1" dirty="0">
+                              <a:latin typeface="Cambria Math" panose="02040503050406030204" pitchFamily="18" charset="0"/>
+                              <a:cs typeface="Times New Roman" panose="02020603050405020304" pitchFamily="18" charset="0"/>
+                            </a:rPr>
+                            <m:t>𝐿</m:t>
+                          </m:r>
+                        </m:e>
+                        <m:sub>
+                          <m:r>
+                            <a:rPr lang="de-DE" sz="800" i="1" dirty="0">
+                              <a:latin typeface="Cambria Math" panose="02040503050406030204" pitchFamily="18" charset="0"/>
+                              <a:cs typeface="Times New Roman" panose="02020603050405020304" pitchFamily="18" charset="0"/>
+                            </a:rPr>
+                            <m:t>𝑙</m:t>
+                          </m:r>
+                        </m:sub>
+                      </m:sSub>
                     </m:oMath>
                   </m:oMathPara>
                 </a14:m>
@@ -4217,8 +4264,8 @@
             </p:nvSpPr>
             <p:spPr>
               <a:xfrm>
-                <a:off x="782959" y="1582137"/>
-                <a:ext cx="266933" cy="215444"/>
+                <a:off x="875035" y="1147956"/>
+                <a:ext cx="297261" cy="215444"/>
               </a:xfrm>
               <a:prstGeom prst="rect">
                 <a:avLst/>
@@ -4255,7 +4302,7 @@
         </p:nvSpPr>
         <p:spPr>
           <a:xfrm>
-            <a:off x="672450" y="829968"/>
+            <a:off x="764525" y="592637"/>
             <a:ext cx="36000" cy="36000"/>
           </a:xfrm>
           <a:prstGeom prst="ellipse">
@@ -4285,7 +4332,12 @@
           </a:fontRef>
         </p:style>
         <p:txBody>
-          <a:bodyPr rtlCol="0" anchor="ctr"/>
+          <a:bodyPr rot="0" spcFirstLastPara="0" vertOverflow="overflow" horzOverflow="overflow" vert="horz" wrap="square" lIns="91440" tIns="45720" rIns="91440" bIns="45720" numCol="1" spcCol="0" rtlCol="0" fromWordArt="0" anchor="ctr" anchorCtr="0" forceAA="0" compatLnSpc="1">
+            <a:prstTxWarp prst="textNoShape">
+              <a:avLst/>
+            </a:prstTxWarp>
+            <a:noAutofit/>
+          </a:bodyPr>
           <a:lstStyle/>
           <a:p>
             <a:pPr algn="ctr"/>
@@ -4303,7 +4355,7 @@
         </p:nvSpPr>
         <p:spPr>
           <a:xfrm>
-            <a:off x="136429" y="1741191"/>
+            <a:off x="228504" y="1307010"/>
             <a:ext cx="36000" cy="36000"/>
           </a:xfrm>
           <a:prstGeom prst="ellipse">
@@ -4333,7 +4385,12 @@
           </a:fontRef>
         </p:style>
         <p:txBody>
-          <a:bodyPr rtlCol="0" anchor="ctr"/>
+          <a:bodyPr rot="0" spcFirstLastPara="0" vertOverflow="overflow" horzOverflow="overflow" vert="horz" wrap="square" lIns="91440" tIns="45720" rIns="91440" bIns="45720" numCol="1" spcCol="0" rtlCol="0" fromWordArt="0" anchor="ctr" anchorCtr="0" forceAA="0" compatLnSpc="1">
+            <a:prstTxWarp prst="textNoShape">
+              <a:avLst/>
+            </a:prstTxWarp>
+            <a:noAutofit/>
+          </a:bodyPr>
           <a:lstStyle/>
           <a:p>
             <a:pPr algn="ctr"/>
@@ -4352,13 +4409,14 @@
           </p:cNvPr>
           <p:cNvCxnSpPr>
             <a:cxnSpLocks/>
+            <a:endCxn id="191" idx="2"/>
           </p:cNvCxnSpPr>
           <p:nvPr/>
         </p:nvCxnSpPr>
         <p:spPr>
           <a:xfrm flipV="1">
-            <a:off x="1810847" y="524455"/>
-            <a:ext cx="0" cy="720000"/>
+            <a:off x="1833072" y="315258"/>
+            <a:ext cx="0" cy="831566"/>
           </a:xfrm>
           <a:prstGeom prst="straightConnector1">
             <a:avLst/>
@@ -4390,7 +4448,7 @@
         </p:nvCxnSpPr>
         <p:spPr>
           <a:xfrm>
-            <a:off x="1808711" y="1244455"/>
+            <a:off x="1830937" y="1146824"/>
             <a:ext cx="1140891" cy="0"/>
           </a:xfrm>
           <a:prstGeom prst="straightConnector1">
@@ -4415,7 +4473,7 @@
         </p:nvSpPr>
         <p:spPr>
           <a:xfrm>
-            <a:off x="1808711" y="1158434"/>
+            <a:off x="1830936" y="1060804"/>
             <a:ext cx="1042232" cy="86021"/>
           </a:xfrm>
           <a:custGeom>
@@ -4510,7 +4568,12 @@
           </a:fontRef>
         </p:style>
         <p:txBody>
-          <a:bodyPr rtlCol="0" anchor="ctr"/>
+          <a:bodyPr rot="0" spcFirstLastPara="0" vertOverflow="overflow" horzOverflow="overflow" vert="horz" wrap="square" lIns="91440" tIns="45720" rIns="91440" bIns="45720" numCol="1" spcCol="0" rtlCol="0" fromWordArt="0" anchor="ctr" anchorCtr="0" forceAA="0" compatLnSpc="1">
+            <a:prstTxWarp prst="textNoShape">
+              <a:avLst/>
+            </a:prstTxWarp>
+            <a:noAutofit/>
+          </a:bodyPr>
           <a:lstStyle/>
           <a:p>
             <a:pPr algn="ctr"/>
@@ -4530,7 +4593,7 @@
         </p:nvCxnSpPr>
         <p:spPr>
           <a:xfrm rot="4800000">
-            <a:off x="1923149" y="864913"/>
+            <a:off x="1945374" y="767282"/>
             <a:ext cx="720000" cy="0"/>
           </a:xfrm>
           <a:prstGeom prst="line">
@@ -4565,7 +4628,7 @@
         </p:nvSpPr>
         <p:spPr>
           <a:xfrm>
-            <a:off x="2329827" y="1201444"/>
+            <a:off x="2352052" y="1103813"/>
             <a:ext cx="36000" cy="36000"/>
           </a:xfrm>
           <a:prstGeom prst="ellipse">
@@ -4595,7 +4658,12 @@
           </a:fontRef>
         </p:style>
         <p:txBody>
-          <a:bodyPr rtlCol="0" anchor="ctr"/>
+          <a:bodyPr rot="0" spcFirstLastPara="0" vertOverflow="overflow" horzOverflow="overflow" vert="horz" wrap="square" lIns="91440" tIns="45720" rIns="91440" bIns="45720" numCol="1" spcCol="0" rtlCol="0" fromWordArt="0" anchor="ctr" anchorCtr="0" forceAA="0" compatLnSpc="1">
+            <a:prstTxWarp prst="textNoShape">
+              <a:avLst/>
+            </a:prstTxWarp>
+            <a:noAutofit/>
+          </a:bodyPr>
           <a:lstStyle/>
           <a:p>
             <a:pPr algn="ctr"/>
@@ -4613,7 +4681,7 @@
             </p:nvSpPr>
             <p:spPr>
               <a:xfrm>
-                <a:off x="2397429" y="891347"/>
+                <a:off x="2377787" y="823854"/>
                 <a:ext cx="274306" cy="215444"/>
               </a:xfrm>
               <a:prstGeom prst="rect">
@@ -4634,7 +4702,7 @@
                     </m:oMathParaPr>
                     <m:oMath xmlns:m="http://schemas.openxmlformats.org/officeDocument/2006/math">
                       <m:r>
-                        <a:rPr lang="de-DE" sz="800" i="1" dirty="0" smtClean="0">
+                        <a:rPr lang="de-DE" sz="800" i="1" dirty="0">
                           <a:latin typeface="Cambria Math" panose="02040503050406030204" pitchFamily="18" charset="0"/>
                           <a:cs typeface="Times New Roman" panose="02020603050405020304" pitchFamily="18" charset="0"/>
                         </a:rPr>
@@ -4662,7 +4730,7 @@
             </p:nvSpPr>
             <p:spPr>
               <a:xfrm>
-                <a:off x="2397429" y="891347"/>
+                <a:off x="2377787" y="823854"/>
                 <a:ext cx="274306" cy="215444"/>
               </a:xfrm>
               <a:prstGeom prst="rect">
@@ -4706,7 +4774,7 @@
             </p:nvSpPr>
             <p:spPr>
               <a:xfrm>
-                <a:off x="1216372" y="746332"/>
+                <a:off x="1308448" y="527927"/>
                 <a:ext cx="308931" cy="215444"/>
               </a:xfrm>
               <a:prstGeom prst="rect">
@@ -4733,7 +4801,7 @@
                       <m:sSub>
                         <m:sSubPr>
                           <m:ctrlPr>
-                            <a:rPr lang="de-DE" sz="800" b="0" i="1" kern="0" smtClean="0">
+                            <a:rPr lang="de-DE" sz="800" i="1" kern="0">
                               <a:solidFill>
                                 <a:srgbClr val="171717"/>
                               </a:solidFill>
@@ -4744,7 +4812,7 @@
                         </m:sSubPr>
                         <m:e>
                           <m:r>
-                            <a:rPr lang="de-DE" sz="800" b="0" i="1" kern="0" smtClean="0">
+                            <a:rPr lang="de-DE" sz="800" i="1" kern="0">
                               <a:solidFill>
                                 <a:srgbClr val="171717"/>
                               </a:solidFill>
@@ -4756,7 +4824,7 @@
                         </m:e>
                         <m:sub>
                           <m:r>
-                            <a:rPr lang="de-DE" sz="800" b="0" i="1" kern="0" smtClean="0">
+                            <a:rPr lang="de-DE" sz="800" i="1" kern="0">
                               <a:solidFill>
                                 <a:srgbClr val="171717"/>
                               </a:solidFill>
@@ -4798,7 +4866,7 @@
             </p:nvSpPr>
             <p:spPr>
               <a:xfrm>
-                <a:off x="1216372" y="746332"/>
+                <a:off x="1308448" y="527927"/>
                 <a:ext cx="308931" cy="215444"/>
               </a:xfrm>
               <a:prstGeom prst="rect">
@@ -4845,7 +4913,7 @@
             </p:nvSpPr>
             <p:spPr>
               <a:xfrm>
-                <a:off x="1216372" y="1617527"/>
+                <a:off x="1308448" y="1224130"/>
                 <a:ext cx="311303" cy="215444"/>
               </a:xfrm>
               <a:prstGeom prst="rect">
@@ -4872,7 +4940,7 @@
                       <m:sSub>
                         <m:sSubPr>
                           <m:ctrlPr>
-                            <a:rPr lang="de-DE" sz="800" b="0" i="1" kern="0" smtClean="0">
+                            <a:rPr lang="de-DE" sz="800" i="1" kern="0">
                               <a:solidFill>
                                 <a:srgbClr val="171717"/>
                               </a:solidFill>
@@ -4883,7 +4951,7 @@
                         </m:sSubPr>
                         <m:e>
                           <m:r>
-                            <a:rPr lang="de-DE" sz="800" b="0" i="1" kern="0" smtClean="0">
+                            <a:rPr lang="de-DE" sz="800" i="1" kern="0">
                               <a:solidFill>
                                 <a:srgbClr val="171717"/>
                               </a:solidFill>
@@ -4895,7 +4963,7 @@
                         </m:e>
                         <m:sub>
                           <m:r>
-                            <a:rPr lang="de-DE" sz="800" b="0" i="1" kern="0" smtClean="0">
+                            <a:rPr lang="de-DE" sz="800" i="1" kern="0">
                               <a:solidFill>
                                 <a:srgbClr val="171717"/>
                               </a:solidFill>
@@ -4937,7 +5005,7 @@
             </p:nvSpPr>
             <p:spPr>
               <a:xfrm>
-                <a:off x="1216372" y="1617527"/>
+                <a:off x="1308448" y="1224130"/>
                 <a:ext cx="311303" cy="215444"/>
               </a:xfrm>
               <a:prstGeom prst="rect">
@@ -4984,7 +5052,7 @@
             </p:nvSpPr>
             <p:spPr>
               <a:xfrm>
-                <a:off x="1745130" y="349845"/>
+                <a:off x="1674022" y="99814"/>
                 <a:ext cx="318100" cy="215444"/>
               </a:xfrm>
               <a:prstGeom prst="rect">
@@ -5011,7 +5079,7 @@
                       <m:sSub>
                         <m:sSubPr>
                           <m:ctrlPr>
-                            <a:rPr lang="de-DE" sz="800" b="0" i="1" kern="0" smtClean="0">
+                            <a:rPr lang="de-DE" sz="800" i="1" kern="0">
                               <a:solidFill>
                                 <a:srgbClr val="171717"/>
                               </a:solidFill>
@@ -5022,7 +5090,7 @@
                         </m:sSubPr>
                         <m:e>
                           <m:r>
-                            <a:rPr lang="de-DE" sz="800" b="0" i="1" kern="0" smtClean="0">
+                            <a:rPr lang="de-DE" sz="800" i="1" kern="0">
                               <a:solidFill>
                                 <a:srgbClr val="171717"/>
                               </a:solidFill>
@@ -5034,7 +5102,7 @@
                         </m:e>
                         <m:sub>
                           <m:r>
-                            <a:rPr lang="de-DE" sz="800" b="0" i="1" kern="0" smtClean="0">
+                            <a:rPr lang="de-DE" sz="800" i="1" kern="0">
                               <a:solidFill>
                                 <a:srgbClr val="171717"/>
                               </a:solidFill>
@@ -5076,7 +5144,7 @@
             </p:nvSpPr>
             <p:spPr>
               <a:xfrm>
-                <a:off x="1745130" y="349845"/>
+                <a:off x="1674022" y="99814"/>
                 <a:ext cx="318100" cy="215444"/>
               </a:xfrm>
               <a:prstGeom prst="rect">
@@ -5123,7 +5191,7 @@
             </p:nvSpPr>
             <p:spPr>
               <a:xfrm>
-                <a:off x="2900563" y="1129722"/>
+                <a:off x="2897389" y="1039102"/>
                 <a:ext cx="308931" cy="215444"/>
               </a:xfrm>
               <a:prstGeom prst="rect">
@@ -5150,7 +5218,7 @@
                       <m:sSub>
                         <m:sSubPr>
                           <m:ctrlPr>
-                            <a:rPr lang="de-DE" sz="800" b="0" i="1" kern="0" smtClean="0">
+                            <a:rPr lang="de-DE" sz="800" i="1" kern="0">
                               <a:solidFill>
                                 <a:srgbClr val="171717"/>
                               </a:solidFill>
@@ -5161,7 +5229,7 @@
                         </m:sSubPr>
                         <m:e>
                           <m:r>
-                            <a:rPr lang="de-DE" sz="800" b="0" i="1" kern="0" smtClean="0">
+                            <a:rPr lang="de-DE" sz="800" i="1" kern="0">
                               <a:solidFill>
                                 <a:srgbClr val="171717"/>
                               </a:solidFill>
@@ -5173,7 +5241,7 @@
                         </m:e>
                         <m:sub>
                           <m:r>
-                            <a:rPr lang="de-DE" sz="800" b="0" i="1" kern="0" smtClean="0">
+                            <a:rPr lang="de-DE" sz="800" i="1" kern="0">
                               <a:solidFill>
                                 <a:srgbClr val="171717"/>
                               </a:solidFill>
@@ -5215,14 +5283,14 @@
             </p:nvSpPr>
             <p:spPr>
               <a:xfrm>
-                <a:off x="2900563" y="1129722"/>
+                <a:off x="2897389" y="1039102"/>
                 <a:ext cx="308931" cy="215444"/>
               </a:xfrm>
               <a:prstGeom prst="rect">
                 <a:avLst/>
               </a:prstGeom>
               <a:blipFill>
-                <a:blip r:embed="rId13"/>
+                <a:blip r:embed="rId15"/>
                 <a:stretch>
                   <a:fillRect/>
                 </a:stretch>

--- a/paper/tex/fig/junctionDef.pptx
+++ b/paper/tex/fig/junctionDef.pptx
@@ -157,7 +157,7 @@
           </a:lstStyle>
           <a:p>
             <a:r>
-              <a:rPr lang="de-DE" smtClean="0"/>
+              <a:rPr lang="de-DE"/>
               <a:t>Titelmasterformat durch Klicken bearbeiten</a:t>
             </a:r>
             <a:endParaRPr lang="en-US" dirty="0"/>
@@ -222,7 +222,7 @@
           </a:lstStyle>
           <a:p>
             <a:r>
-              <a:rPr lang="de-DE" smtClean="0"/>
+              <a:rPr lang="de-DE"/>
               <a:t>Formatvorlage des Untertitelmasters durch Klicken bearbeiten</a:t>
             </a:r>
             <a:endParaRPr lang="en-US" dirty="0"/>
@@ -246,7 +246,7 @@
           <a:p>
             <a:fld id="{EC93BBD2-B587-4421-B8E5-F07A11DB88D9}" type="datetimeFigureOut">
               <a:rPr lang="de-DE" smtClean="0"/>
-              <a:t>10.02.2020</a:t>
+              <a:t>29.02.2020</a:t>
             </a:fld>
             <a:endParaRPr lang="de-DE"/>
           </a:p>
@@ -340,7 +340,7 @@
           <a:lstStyle/>
           <a:p>
             <a:r>
-              <a:rPr lang="de-DE" smtClean="0"/>
+              <a:rPr lang="de-DE"/>
               <a:t>Titelmasterformat durch Klicken bearbeiten</a:t>
             </a:r>
             <a:endParaRPr lang="en-US" dirty="0"/>
@@ -364,35 +364,35 @@
           <a:p>
             <a:pPr lvl="0"/>
             <a:r>
-              <a:rPr lang="de-DE" smtClean="0"/>
+              <a:rPr lang="de-DE"/>
               <a:t>Formatvorlagen des Textmasters bearbeiten</a:t>
             </a:r>
           </a:p>
           <a:p>
             <a:pPr lvl="1"/>
             <a:r>
-              <a:rPr lang="de-DE" smtClean="0"/>
+              <a:rPr lang="de-DE"/>
               <a:t>Zweite Ebene</a:t>
             </a:r>
           </a:p>
           <a:p>
             <a:pPr lvl="2"/>
             <a:r>
-              <a:rPr lang="de-DE" smtClean="0"/>
+              <a:rPr lang="de-DE"/>
               <a:t>Dritte Ebene</a:t>
             </a:r>
           </a:p>
           <a:p>
             <a:pPr lvl="3"/>
             <a:r>
-              <a:rPr lang="de-DE" smtClean="0"/>
+              <a:rPr lang="de-DE"/>
               <a:t>Vierte Ebene</a:t>
             </a:r>
           </a:p>
           <a:p>
             <a:pPr lvl="4"/>
             <a:r>
-              <a:rPr lang="de-DE" smtClean="0"/>
+              <a:rPr lang="de-DE"/>
               <a:t>Fünfte Ebene</a:t>
             </a:r>
             <a:endParaRPr lang="en-US" dirty="0"/>
@@ -416,7 +416,7 @@
           <a:p>
             <a:fld id="{EC93BBD2-B587-4421-B8E5-F07A11DB88D9}" type="datetimeFigureOut">
               <a:rPr lang="de-DE" smtClean="0"/>
-              <a:t>10.02.2020</a:t>
+              <a:t>29.02.2020</a:t>
             </a:fld>
             <a:endParaRPr lang="de-DE"/>
           </a:p>
@@ -515,7 +515,7 @@
           <a:lstStyle/>
           <a:p>
             <a:r>
-              <a:rPr lang="de-DE" smtClean="0"/>
+              <a:rPr lang="de-DE"/>
               <a:t>Titelmasterformat durch Klicken bearbeiten</a:t>
             </a:r>
             <a:endParaRPr lang="en-US" dirty="0"/>
@@ -544,35 +544,35 @@
           <a:p>
             <a:pPr lvl="0"/>
             <a:r>
-              <a:rPr lang="de-DE" smtClean="0"/>
+              <a:rPr lang="de-DE"/>
               <a:t>Formatvorlagen des Textmasters bearbeiten</a:t>
             </a:r>
           </a:p>
           <a:p>
             <a:pPr lvl="1"/>
             <a:r>
-              <a:rPr lang="de-DE" smtClean="0"/>
+              <a:rPr lang="de-DE"/>
               <a:t>Zweite Ebene</a:t>
             </a:r>
           </a:p>
           <a:p>
             <a:pPr lvl="2"/>
             <a:r>
-              <a:rPr lang="de-DE" smtClean="0"/>
+              <a:rPr lang="de-DE"/>
               <a:t>Dritte Ebene</a:t>
             </a:r>
           </a:p>
           <a:p>
             <a:pPr lvl="3"/>
             <a:r>
-              <a:rPr lang="de-DE" smtClean="0"/>
+              <a:rPr lang="de-DE"/>
               <a:t>Vierte Ebene</a:t>
             </a:r>
           </a:p>
           <a:p>
             <a:pPr lvl="4"/>
             <a:r>
-              <a:rPr lang="de-DE" smtClean="0"/>
+              <a:rPr lang="de-DE"/>
               <a:t>Fünfte Ebene</a:t>
             </a:r>
             <a:endParaRPr lang="en-US" dirty="0"/>
@@ -596,7 +596,7 @@
           <a:p>
             <a:fld id="{EC93BBD2-B587-4421-B8E5-F07A11DB88D9}" type="datetimeFigureOut">
               <a:rPr lang="de-DE" smtClean="0"/>
-              <a:t>10.02.2020</a:t>
+              <a:t>29.02.2020</a:t>
             </a:fld>
             <a:endParaRPr lang="de-DE"/>
           </a:p>
@@ -690,7 +690,7 @@
           <a:lstStyle/>
           <a:p>
             <a:r>
-              <a:rPr lang="de-DE" smtClean="0"/>
+              <a:rPr lang="de-DE"/>
               <a:t>Titelmasterformat durch Klicken bearbeiten</a:t>
             </a:r>
             <a:endParaRPr lang="en-US" dirty="0"/>
@@ -714,35 +714,35 @@
           <a:p>
             <a:pPr lvl="0"/>
             <a:r>
-              <a:rPr lang="de-DE" smtClean="0"/>
+              <a:rPr lang="de-DE"/>
               <a:t>Formatvorlagen des Textmasters bearbeiten</a:t>
             </a:r>
           </a:p>
           <a:p>
             <a:pPr lvl="1"/>
             <a:r>
-              <a:rPr lang="de-DE" smtClean="0"/>
+              <a:rPr lang="de-DE"/>
               <a:t>Zweite Ebene</a:t>
             </a:r>
           </a:p>
           <a:p>
             <a:pPr lvl="2"/>
             <a:r>
-              <a:rPr lang="de-DE" smtClean="0"/>
+              <a:rPr lang="de-DE"/>
               <a:t>Dritte Ebene</a:t>
             </a:r>
           </a:p>
           <a:p>
             <a:pPr lvl="3"/>
             <a:r>
-              <a:rPr lang="de-DE" smtClean="0"/>
+              <a:rPr lang="de-DE"/>
               <a:t>Vierte Ebene</a:t>
             </a:r>
           </a:p>
           <a:p>
             <a:pPr lvl="4"/>
             <a:r>
-              <a:rPr lang="de-DE" smtClean="0"/>
+              <a:rPr lang="de-DE"/>
               <a:t>Fünfte Ebene</a:t>
             </a:r>
             <a:endParaRPr lang="en-US" dirty="0"/>
@@ -766,7 +766,7 @@
           <a:p>
             <a:fld id="{EC93BBD2-B587-4421-B8E5-F07A11DB88D9}" type="datetimeFigureOut">
               <a:rPr lang="de-DE" smtClean="0"/>
-              <a:t>10.02.2020</a:t>
+              <a:t>29.02.2020</a:t>
             </a:fld>
             <a:endParaRPr lang="de-DE"/>
           </a:p>
@@ -869,7 +869,7 @@
           </a:lstStyle>
           <a:p>
             <a:r>
-              <a:rPr lang="de-DE" smtClean="0"/>
+              <a:rPr lang="de-DE"/>
               <a:t>Titelmasterformat durch Klicken bearbeiten</a:t>
             </a:r>
             <a:endParaRPr lang="en-US" dirty="0"/>
@@ -989,7 +989,7 @@
           <a:p>
             <a:pPr lvl="0"/>
             <a:r>
-              <a:rPr lang="de-DE" smtClean="0"/>
+              <a:rPr lang="de-DE"/>
               <a:t>Formatvorlagen des Textmasters bearbeiten</a:t>
             </a:r>
           </a:p>
@@ -1012,7 +1012,7 @@
           <a:p>
             <a:fld id="{EC93BBD2-B587-4421-B8E5-F07A11DB88D9}" type="datetimeFigureOut">
               <a:rPr lang="de-DE" smtClean="0"/>
-              <a:t>10.02.2020</a:t>
+              <a:t>29.02.2020</a:t>
             </a:fld>
             <a:endParaRPr lang="de-DE"/>
           </a:p>
@@ -1106,7 +1106,7 @@
           <a:lstStyle/>
           <a:p>
             <a:r>
-              <a:rPr lang="de-DE" smtClean="0"/>
+              <a:rPr lang="de-DE"/>
               <a:t>Titelmasterformat durch Klicken bearbeiten</a:t>
             </a:r>
             <a:endParaRPr lang="en-US" dirty="0"/>
@@ -1135,35 +1135,35 @@
           <a:p>
             <a:pPr lvl="0"/>
             <a:r>
-              <a:rPr lang="de-DE" smtClean="0"/>
+              <a:rPr lang="de-DE"/>
               <a:t>Formatvorlagen des Textmasters bearbeiten</a:t>
             </a:r>
           </a:p>
           <a:p>
             <a:pPr lvl="1"/>
             <a:r>
-              <a:rPr lang="de-DE" smtClean="0"/>
+              <a:rPr lang="de-DE"/>
               <a:t>Zweite Ebene</a:t>
             </a:r>
           </a:p>
           <a:p>
             <a:pPr lvl="2"/>
             <a:r>
-              <a:rPr lang="de-DE" smtClean="0"/>
+              <a:rPr lang="de-DE"/>
               <a:t>Dritte Ebene</a:t>
             </a:r>
           </a:p>
           <a:p>
             <a:pPr lvl="3"/>
             <a:r>
-              <a:rPr lang="de-DE" smtClean="0"/>
+              <a:rPr lang="de-DE"/>
               <a:t>Vierte Ebene</a:t>
             </a:r>
           </a:p>
           <a:p>
             <a:pPr lvl="4"/>
             <a:r>
-              <a:rPr lang="de-DE" smtClean="0"/>
+              <a:rPr lang="de-DE"/>
               <a:t>Fünfte Ebene</a:t>
             </a:r>
             <a:endParaRPr lang="en-US" dirty="0"/>
@@ -1192,35 +1192,35 @@
           <a:p>
             <a:pPr lvl="0"/>
             <a:r>
-              <a:rPr lang="de-DE" smtClean="0"/>
+              <a:rPr lang="de-DE"/>
               <a:t>Formatvorlagen des Textmasters bearbeiten</a:t>
             </a:r>
           </a:p>
           <a:p>
             <a:pPr lvl="1"/>
             <a:r>
-              <a:rPr lang="de-DE" smtClean="0"/>
+              <a:rPr lang="de-DE"/>
               <a:t>Zweite Ebene</a:t>
             </a:r>
           </a:p>
           <a:p>
             <a:pPr lvl="2"/>
             <a:r>
-              <a:rPr lang="de-DE" smtClean="0"/>
+              <a:rPr lang="de-DE"/>
               <a:t>Dritte Ebene</a:t>
             </a:r>
           </a:p>
           <a:p>
             <a:pPr lvl="3"/>
             <a:r>
-              <a:rPr lang="de-DE" smtClean="0"/>
+              <a:rPr lang="de-DE"/>
               <a:t>Vierte Ebene</a:t>
             </a:r>
           </a:p>
           <a:p>
             <a:pPr lvl="4"/>
             <a:r>
-              <a:rPr lang="de-DE" smtClean="0"/>
+              <a:rPr lang="de-DE"/>
               <a:t>Fünfte Ebene</a:t>
             </a:r>
             <a:endParaRPr lang="en-US" dirty="0"/>
@@ -1244,7 +1244,7 @@
           <a:p>
             <a:fld id="{EC93BBD2-B587-4421-B8E5-F07A11DB88D9}" type="datetimeFigureOut">
               <a:rPr lang="de-DE" smtClean="0"/>
-              <a:t>10.02.2020</a:t>
+              <a:t>29.02.2020</a:t>
             </a:fld>
             <a:endParaRPr lang="de-DE"/>
           </a:p>
@@ -1343,7 +1343,7 @@
           <a:lstStyle/>
           <a:p>
             <a:r>
-              <a:rPr lang="de-DE" smtClean="0"/>
+              <a:rPr lang="de-DE"/>
               <a:t>Titelmasterformat durch Klicken bearbeiten</a:t>
             </a:r>
             <a:endParaRPr lang="en-US" dirty="0"/>
@@ -1409,7 +1409,7 @@
           <a:p>
             <a:pPr lvl="0"/>
             <a:r>
-              <a:rPr lang="de-DE" smtClean="0"/>
+              <a:rPr lang="de-DE"/>
               <a:t>Formatvorlagen des Textmasters bearbeiten</a:t>
             </a:r>
           </a:p>
@@ -1437,35 +1437,35 @@
           <a:p>
             <a:pPr lvl="0"/>
             <a:r>
-              <a:rPr lang="de-DE" smtClean="0"/>
+              <a:rPr lang="de-DE"/>
               <a:t>Formatvorlagen des Textmasters bearbeiten</a:t>
             </a:r>
           </a:p>
           <a:p>
             <a:pPr lvl="1"/>
             <a:r>
-              <a:rPr lang="de-DE" smtClean="0"/>
+              <a:rPr lang="de-DE"/>
               <a:t>Zweite Ebene</a:t>
             </a:r>
           </a:p>
           <a:p>
             <a:pPr lvl="2"/>
             <a:r>
-              <a:rPr lang="de-DE" smtClean="0"/>
+              <a:rPr lang="de-DE"/>
               <a:t>Dritte Ebene</a:t>
             </a:r>
           </a:p>
           <a:p>
             <a:pPr lvl="3"/>
             <a:r>
-              <a:rPr lang="de-DE" smtClean="0"/>
+              <a:rPr lang="de-DE"/>
               <a:t>Vierte Ebene</a:t>
             </a:r>
           </a:p>
           <a:p>
             <a:pPr lvl="4"/>
             <a:r>
-              <a:rPr lang="de-DE" smtClean="0"/>
+              <a:rPr lang="de-DE"/>
               <a:t>Fünfte Ebene</a:t>
             </a:r>
             <a:endParaRPr lang="en-US" dirty="0"/>
@@ -1531,7 +1531,7 @@
           <a:p>
             <a:pPr lvl="0"/>
             <a:r>
-              <a:rPr lang="de-DE" smtClean="0"/>
+              <a:rPr lang="de-DE"/>
               <a:t>Formatvorlagen des Textmasters bearbeiten</a:t>
             </a:r>
           </a:p>
@@ -1559,35 +1559,35 @@
           <a:p>
             <a:pPr lvl="0"/>
             <a:r>
-              <a:rPr lang="de-DE" smtClean="0"/>
+              <a:rPr lang="de-DE"/>
               <a:t>Formatvorlagen des Textmasters bearbeiten</a:t>
             </a:r>
           </a:p>
           <a:p>
             <a:pPr lvl="1"/>
             <a:r>
-              <a:rPr lang="de-DE" smtClean="0"/>
+              <a:rPr lang="de-DE"/>
               <a:t>Zweite Ebene</a:t>
             </a:r>
           </a:p>
           <a:p>
             <a:pPr lvl="2"/>
             <a:r>
-              <a:rPr lang="de-DE" smtClean="0"/>
+              <a:rPr lang="de-DE"/>
               <a:t>Dritte Ebene</a:t>
             </a:r>
           </a:p>
           <a:p>
             <a:pPr lvl="3"/>
             <a:r>
-              <a:rPr lang="de-DE" smtClean="0"/>
+              <a:rPr lang="de-DE"/>
               <a:t>Vierte Ebene</a:t>
             </a:r>
           </a:p>
           <a:p>
             <a:pPr lvl="4"/>
             <a:r>
-              <a:rPr lang="de-DE" smtClean="0"/>
+              <a:rPr lang="de-DE"/>
               <a:t>Fünfte Ebene</a:t>
             </a:r>
             <a:endParaRPr lang="en-US" dirty="0"/>
@@ -1611,7 +1611,7 @@
           <a:p>
             <a:fld id="{EC93BBD2-B587-4421-B8E5-F07A11DB88D9}" type="datetimeFigureOut">
               <a:rPr lang="de-DE" smtClean="0"/>
-              <a:t>10.02.2020</a:t>
+              <a:t>29.02.2020</a:t>
             </a:fld>
             <a:endParaRPr lang="de-DE"/>
           </a:p>
@@ -1705,7 +1705,7 @@
           <a:lstStyle/>
           <a:p>
             <a:r>
-              <a:rPr lang="de-DE" smtClean="0"/>
+              <a:rPr lang="de-DE"/>
               <a:t>Titelmasterformat durch Klicken bearbeiten</a:t>
             </a:r>
             <a:endParaRPr lang="en-US" dirty="0"/>
@@ -1729,7 +1729,7 @@
           <a:p>
             <a:fld id="{EC93BBD2-B587-4421-B8E5-F07A11DB88D9}" type="datetimeFigureOut">
               <a:rPr lang="de-DE" smtClean="0"/>
-              <a:t>10.02.2020</a:t>
+              <a:t>29.02.2020</a:t>
             </a:fld>
             <a:endParaRPr lang="de-DE"/>
           </a:p>
@@ -1824,7 +1824,7 @@
           <a:p>
             <a:fld id="{EC93BBD2-B587-4421-B8E5-F07A11DB88D9}" type="datetimeFigureOut">
               <a:rPr lang="de-DE" smtClean="0"/>
-              <a:t>10.02.2020</a:t>
+              <a:t>29.02.2020</a:t>
             </a:fld>
             <a:endParaRPr lang="de-DE"/>
           </a:p>
@@ -1927,7 +1927,7 @@
           </a:lstStyle>
           <a:p>
             <a:r>
-              <a:rPr lang="de-DE" smtClean="0"/>
+              <a:rPr lang="de-DE"/>
               <a:t>Titelmasterformat durch Klicken bearbeiten</a:t>
             </a:r>
             <a:endParaRPr lang="en-US" dirty="0"/>
@@ -1984,35 +1984,35 @@
           <a:p>
             <a:pPr lvl="0"/>
             <a:r>
-              <a:rPr lang="de-DE" smtClean="0"/>
+              <a:rPr lang="de-DE"/>
               <a:t>Formatvorlagen des Textmasters bearbeiten</a:t>
             </a:r>
           </a:p>
           <a:p>
             <a:pPr lvl="1"/>
             <a:r>
-              <a:rPr lang="de-DE" smtClean="0"/>
+              <a:rPr lang="de-DE"/>
               <a:t>Zweite Ebene</a:t>
             </a:r>
           </a:p>
           <a:p>
             <a:pPr lvl="2"/>
             <a:r>
-              <a:rPr lang="de-DE" smtClean="0"/>
+              <a:rPr lang="de-DE"/>
               <a:t>Dritte Ebene</a:t>
             </a:r>
           </a:p>
           <a:p>
             <a:pPr lvl="3"/>
             <a:r>
-              <a:rPr lang="de-DE" smtClean="0"/>
+              <a:rPr lang="de-DE"/>
               <a:t>Vierte Ebene</a:t>
             </a:r>
           </a:p>
           <a:p>
             <a:pPr lvl="4"/>
             <a:r>
-              <a:rPr lang="de-DE" smtClean="0"/>
+              <a:rPr lang="de-DE"/>
               <a:t>Fünfte Ebene</a:t>
             </a:r>
             <a:endParaRPr lang="en-US" dirty="0"/>
@@ -2078,7 +2078,7 @@
           <a:p>
             <a:pPr lvl="0"/>
             <a:r>
-              <a:rPr lang="de-DE" smtClean="0"/>
+              <a:rPr lang="de-DE"/>
               <a:t>Formatvorlagen des Textmasters bearbeiten</a:t>
             </a:r>
           </a:p>
@@ -2101,7 +2101,7 @@
           <a:p>
             <a:fld id="{EC93BBD2-B587-4421-B8E5-F07A11DB88D9}" type="datetimeFigureOut">
               <a:rPr lang="de-DE" smtClean="0"/>
-              <a:t>10.02.2020</a:t>
+              <a:t>29.02.2020</a:t>
             </a:fld>
             <a:endParaRPr lang="de-DE"/>
           </a:p>
@@ -2204,7 +2204,7 @@
           </a:lstStyle>
           <a:p>
             <a:r>
-              <a:rPr lang="de-DE" smtClean="0"/>
+              <a:rPr lang="de-DE"/>
               <a:t>Titelmasterformat durch Klicken bearbeiten</a:t>
             </a:r>
             <a:endParaRPr lang="en-US" dirty="0"/>
@@ -2269,7 +2269,7 @@
           </a:lstStyle>
           <a:p>
             <a:r>
-              <a:rPr lang="de-DE" smtClean="0"/>
+              <a:rPr lang="de-DE"/>
               <a:t>Bild durch Klicken auf Symbol hinzufügen</a:t>
             </a:r>
             <a:endParaRPr lang="en-US" dirty="0"/>
@@ -2335,7 +2335,7 @@
           <a:p>
             <a:pPr lvl="0"/>
             <a:r>
-              <a:rPr lang="de-DE" smtClean="0"/>
+              <a:rPr lang="de-DE"/>
               <a:t>Formatvorlagen des Textmasters bearbeiten</a:t>
             </a:r>
           </a:p>
@@ -2358,7 +2358,7 @@
           <a:p>
             <a:fld id="{EC93BBD2-B587-4421-B8E5-F07A11DB88D9}" type="datetimeFigureOut">
               <a:rPr lang="de-DE" smtClean="0"/>
-              <a:t>10.02.2020</a:t>
+              <a:t>29.02.2020</a:t>
             </a:fld>
             <a:endParaRPr lang="de-DE"/>
           </a:p>
@@ -2467,7 +2467,7 @@
           <a:lstStyle/>
           <a:p>
             <a:r>
-              <a:rPr lang="de-DE" smtClean="0"/>
+              <a:rPr lang="de-DE"/>
               <a:t>Titelmasterformat durch Klicken bearbeiten</a:t>
             </a:r>
             <a:endParaRPr lang="en-US" dirty="0"/>
@@ -2501,35 +2501,35 @@
           <a:p>
             <a:pPr lvl="0"/>
             <a:r>
-              <a:rPr lang="de-DE" smtClean="0"/>
+              <a:rPr lang="de-DE"/>
               <a:t>Formatvorlagen des Textmasters bearbeiten</a:t>
             </a:r>
           </a:p>
           <a:p>
             <a:pPr lvl="1"/>
             <a:r>
-              <a:rPr lang="de-DE" smtClean="0"/>
+              <a:rPr lang="de-DE"/>
               <a:t>Zweite Ebene</a:t>
             </a:r>
           </a:p>
           <a:p>
             <a:pPr lvl="2"/>
             <a:r>
-              <a:rPr lang="de-DE" smtClean="0"/>
+              <a:rPr lang="de-DE"/>
               <a:t>Dritte Ebene</a:t>
             </a:r>
           </a:p>
           <a:p>
             <a:pPr lvl="3"/>
             <a:r>
-              <a:rPr lang="de-DE" smtClean="0"/>
+              <a:rPr lang="de-DE"/>
               <a:t>Vierte Ebene</a:t>
             </a:r>
           </a:p>
           <a:p>
             <a:pPr lvl="4"/>
             <a:r>
-              <a:rPr lang="de-DE" smtClean="0"/>
+              <a:rPr lang="de-DE"/>
               <a:t>Fünfte Ebene</a:t>
             </a:r>
             <a:endParaRPr lang="en-US" dirty="0"/>
@@ -2571,7 +2571,7 @@
           <a:p>
             <a:fld id="{EC93BBD2-B587-4421-B8E5-F07A11DB88D9}" type="datetimeFigureOut">
               <a:rPr lang="de-DE" smtClean="0"/>
-              <a:t>10.02.2020</a:t>
+              <a:t>29.02.2020</a:t>
             </a:fld>
             <a:endParaRPr lang="de-DE"/>
           </a:p>
@@ -2680,7 +2680,7 @@
           <a:graphicData uri="http://schemas.openxmlformats.org/presentationml/2006/ole">
             <mc:AlternateContent xmlns:mc="http://schemas.openxmlformats.org/markup-compatibility/2006">
               <mc:Choice xmlns:v="urn:schemas-microsoft-com:vml" Requires="v">
-                <p:oleObj spid="_x0000_s4099" name="think-cell Folie" r:id="rId16" imgW="384" imgH="384" progId="TCLayout.ActiveDocument.1">
+                <p:oleObj spid="_x0000_s4100" name="think-cell Folie" r:id="rId16" imgW="384" imgH="384" progId="TCLayout.ActiveDocument.1">
                   <p:embed/>
                 </p:oleObj>
               </mc:Choice>
@@ -3090,6 +3090,54 @@
           <a:chExt cx="0" cy="0"/>
         </a:xfrm>
       </p:grpSpPr>
+      <p:cxnSp>
+        <p:nvCxnSpPr>
+          <p:cNvPr id="32" name="Gerader Verbinder 31">
+            <a:extLst>
+              <a:ext uri="{FF2B5EF4-FFF2-40B4-BE49-F238E27FC236}">
+                <a16:creationId xmlns:a16="http://schemas.microsoft.com/office/drawing/2014/main" id="{AD299387-FAE2-439F-95BB-BA7F8C5D7E9A}"/>
+              </a:ext>
+            </a:extLst>
+          </p:cNvPr>
+          <p:cNvCxnSpPr>
+            <a:cxnSpLocks/>
+            <a:endCxn id="182" idx="6"/>
+          </p:cNvCxnSpPr>
+          <p:nvPr/>
+        </p:nvCxnSpPr>
+        <p:spPr>
+          <a:xfrm flipH="1">
+            <a:off x="2388052" y="1069363"/>
+            <a:ext cx="579232" cy="52450"/>
+          </a:xfrm>
+          <a:prstGeom prst="line">
+            <a:avLst/>
+          </a:prstGeom>
+          <a:noFill/>
+          <a:ln w="6350">
+            <a:solidFill>
+              <a:schemeClr val="tx1"/>
+            </a:solidFill>
+            <a:prstDash val="sysDot"/>
+          </a:ln>
+        </p:spPr>
+        <p:style>
+          <a:lnRef idx="2">
+            <a:schemeClr val="accent1">
+              <a:shade val="50000"/>
+            </a:schemeClr>
+          </a:lnRef>
+          <a:fillRef idx="1">
+            <a:schemeClr val="accent1"/>
+          </a:fillRef>
+          <a:effectRef idx="0">
+            <a:schemeClr val="accent1"/>
+          </a:effectRef>
+          <a:fontRef idx="minor">
+            <a:schemeClr val="lt1"/>
+          </a:fontRef>
+        </p:style>
+      </p:cxnSp>
       <p:graphicFrame>
         <p:nvGraphicFramePr>
           <p:cNvPr id="4" name="Objekt 3" hidden="1"/>
@@ -3115,7 +3163,7 @@
           <a:graphicData uri="http://schemas.openxmlformats.org/presentationml/2006/ole">
             <mc:AlternateContent xmlns:mc="http://schemas.openxmlformats.org/markup-compatibility/2006">
               <mc:Choice xmlns:v="urn:schemas-microsoft-com:vml" Requires="v">
-                <p:oleObj spid="_x0000_s2059" name="think-cell Folie" r:id="rId4" imgW="384" imgH="384" progId="TCLayout.ActiveDocument.1">
+                <p:oleObj spid="_x0000_s2060" name="think-cell Folie" r:id="rId4" imgW="384" imgH="384" progId="TCLayout.ActiveDocument.1">
                   <p:embed/>
                 </p:oleObj>
               </mc:Choice>
@@ -3204,8 +3252,8 @@
           </a:p>
         </p:txBody>
       </p:sp>
-      <mc:AlternateContent xmlns:mc="http://schemas.openxmlformats.org/markup-compatibility/2006">
-        <mc:Choice xmlns:a14="http://schemas.microsoft.com/office/drawing/2010/main" Requires="a14">
+      <mc:AlternateContent xmlns:mc="http://schemas.openxmlformats.org/markup-compatibility/2006" xmlns:a14="http://schemas.microsoft.com/office/drawing/2010/main">
+        <mc:Choice Requires="a14">
           <p:sp>
             <p:nvSpPr>
               <p:cNvPr id="172" name="Textfeld 171"/>
@@ -3228,6 +3276,7 @@
               </a:bodyPr>
               <a:lstStyle/>
               <a:p>
+                <a:pPr/>
                 <a14:m>
                   <m:oMathPara xmlns:m="http://schemas.openxmlformats.org/officeDocument/2006/math">
                     <m:oMathParaPr>
@@ -3280,7 +3329,7 @@
             </p:txBody>
           </p:sp>
         </mc:Choice>
-        <mc:Fallback>
+        <mc:Fallback xmlns="">
           <p:sp>
             <p:nvSpPr>
               <p:cNvPr id="172" name="Textfeld 171"/>
@@ -3319,8 +3368,8 @@
           </p:sp>
         </mc:Fallback>
       </mc:AlternateContent>
-      <mc:AlternateContent xmlns:mc="http://schemas.openxmlformats.org/markup-compatibility/2006">
-        <mc:Choice xmlns:a14="http://schemas.microsoft.com/office/drawing/2010/main" Requires="a14">
+      <mc:AlternateContent xmlns:mc="http://schemas.openxmlformats.org/markup-compatibility/2006" xmlns:a14="http://schemas.microsoft.com/office/drawing/2010/main">
+        <mc:Choice Requires="a14">
           <p:sp>
             <p:nvSpPr>
               <p:cNvPr id="171" name="Textfeld 170"/>
@@ -3343,6 +3392,7 @@
               </a:bodyPr>
               <a:lstStyle/>
               <a:p>
+                <a:pPr/>
                 <a14:m>
                   <m:oMathPara xmlns:m="http://schemas.openxmlformats.org/officeDocument/2006/math">
                     <m:oMathParaPr>
@@ -3388,7 +3438,7 @@
             </p:txBody>
           </p:sp>
         </mc:Choice>
-        <mc:Fallback>
+        <mc:Fallback xmlns="">
           <p:sp>
             <p:nvSpPr>
               <p:cNvPr id="171" name="Textfeld 170"/>
@@ -3456,10 +3506,6 @@
               </a:rPr>
               <a:t>a)</a:t>
             </a:r>
-            <a:endParaRPr lang="de-DE" sz="1000" dirty="0">
-              <a:latin typeface="Times New Roman" panose="02020603050405020304" pitchFamily="18" charset="0"/>
-              <a:cs typeface="Times New Roman" panose="02020603050405020304" pitchFamily="18" charset="0"/>
-            </a:endParaRPr>
           </a:p>
         </p:txBody>
       </p:sp>
@@ -3492,10 +3538,6 @@
               </a:rPr>
               <a:t>b)</a:t>
             </a:r>
-            <a:endParaRPr lang="de-DE" sz="1000" dirty="0">
-              <a:latin typeface="Times New Roman" panose="02020603050405020304" pitchFamily="18" charset="0"/>
-              <a:cs typeface="Times New Roman" panose="02020603050405020304" pitchFamily="18" charset="0"/>
-            </a:endParaRPr>
           </a:p>
         </p:txBody>
       </p:sp>
@@ -3565,8 +3607,8 @@
           <a:effectLst/>
         </p:spPr>
       </p:cxnSp>
-      <mc:AlternateContent xmlns:mc="http://schemas.openxmlformats.org/markup-compatibility/2006">
-        <mc:Choice xmlns:a14="http://schemas.microsoft.com/office/drawing/2010/main" Requires="a14">
+      <mc:AlternateContent xmlns:mc="http://schemas.openxmlformats.org/markup-compatibility/2006" xmlns:a14="http://schemas.microsoft.com/office/drawing/2010/main">
+        <mc:Choice Requires="a14">
           <p:sp>
             <p:nvSpPr>
               <p:cNvPr id="157" name="Textfeld 156">
@@ -3656,7 +3698,7 @@
             </p:txBody>
           </p:sp>
         </mc:Choice>
-        <mc:Fallback>
+        <mc:Fallback xmlns="">
           <p:sp>
             <p:nvSpPr>
               <p:cNvPr id="157" name="Textfeld 156">
@@ -3770,8 +3812,8 @@
           <a:effectLst/>
         </p:spPr>
       </p:cxnSp>
-      <mc:AlternateContent xmlns:mc="http://schemas.openxmlformats.org/markup-compatibility/2006">
-        <mc:Choice xmlns:a14="http://schemas.microsoft.com/office/drawing/2010/main" Requires="a14">
+      <mc:AlternateContent xmlns:mc="http://schemas.openxmlformats.org/markup-compatibility/2006" xmlns:a14="http://schemas.microsoft.com/office/drawing/2010/main">
+        <mc:Choice Requires="a14">
           <p:sp>
             <p:nvSpPr>
               <p:cNvPr id="161" name="Textfeld 160">
@@ -3861,7 +3903,7 @@
             </p:txBody>
           </p:sp>
         </mc:Choice>
-        <mc:Fallback>
+        <mc:Fallback xmlns="">
           <p:sp>
             <p:nvSpPr>
               <p:cNvPr id="161" name="Textfeld 160">
@@ -4029,8 +4071,8 @@
           </a:p>
         </p:txBody>
       </p:sp>
-      <mc:AlternateContent xmlns:mc="http://schemas.openxmlformats.org/markup-compatibility/2006">
-        <mc:Choice xmlns:a14="http://schemas.microsoft.com/office/drawing/2010/main" Requires="a14">
+      <mc:AlternateContent xmlns:mc="http://schemas.openxmlformats.org/markup-compatibility/2006" xmlns:a14="http://schemas.microsoft.com/office/drawing/2010/main">
+        <mc:Choice Requires="a14">
           <p:sp>
             <p:nvSpPr>
               <p:cNvPr id="65" name="Textfeld 64"/>
@@ -4053,6 +4095,7 @@
               </a:bodyPr>
               <a:lstStyle/>
               <a:p>
+                <a:pPr/>
                 <a14:m>
                   <m:oMathPara xmlns:m="http://schemas.openxmlformats.org/officeDocument/2006/math">
                     <m:oMathParaPr>
@@ -4112,7 +4155,7 @@
             </p:txBody>
           </p:sp>
         </mc:Choice>
-        <mc:Fallback>
+        <mc:Fallback xmlns="">
           <p:sp>
             <p:nvSpPr>
               <p:cNvPr id="65" name="Textfeld 64"/>
@@ -4184,8 +4227,8 @@
           </a:fontRef>
         </p:style>
       </p:cxnSp>
-      <mc:AlternateContent xmlns:mc="http://schemas.openxmlformats.org/markup-compatibility/2006">
-        <mc:Choice xmlns:a14="http://schemas.microsoft.com/office/drawing/2010/main" Requires="a14">
+      <mc:AlternateContent xmlns:mc="http://schemas.openxmlformats.org/markup-compatibility/2006" xmlns:a14="http://schemas.microsoft.com/office/drawing/2010/main">
+        <mc:Choice Requires="a14">
           <p:sp>
             <p:nvSpPr>
               <p:cNvPr id="168" name="Textfeld 167"/>
@@ -4208,6 +4251,7 @@
               </a:bodyPr>
               <a:lstStyle/>
               <a:p>
+                <a:pPr/>
                 <a14:m>
                   <m:oMathPara xmlns:m="http://schemas.openxmlformats.org/officeDocument/2006/math">
                     <m:oMathParaPr>
@@ -4253,7 +4297,7 @@
             </p:txBody>
           </p:sp>
         </mc:Choice>
-        <mc:Fallback>
+        <mc:Fallback xmlns="">
           <p:sp>
             <p:nvSpPr>
               <p:cNvPr id="168" name="Textfeld 167"/>
@@ -4593,7 +4637,7 @@
         </p:nvCxnSpPr>
         <p:spPr>
           <a:xfrm rot="4800000">
-            <a:off x="1945374" y="767282"/>
+            <a:off x="1947755" y="767282"/>
             <a:ext cx="720000" cy="0"/>
           </a:xfrm>
           <a:prstGeom prst="line">
@@ -4681,7 +4725,7 @@
             </p:nvSpPr>
             <p:spPr>
               <a:xfrm>
-                <a:off x="2377787" y="823854"/>
+                <a:off x="2380168" y="823854"/>
                 <a:ext cx="274306" cy="215444"/>
               </a:xfrm>
               <a:prstGeom prst="rect">
@@ -4695,6 +4739,7 @@
               </a:bodyPr>
               <a:lstStyle/>
               <a:p>
+                <a:pPr/>
                 <a14:m>
                   <m:oMathPara xmlns:m="http://schemas.openxmlformats.org/officeDocument/2006/math">
                     <m:oMathParaPr>
@@ -4730,7 +4775,7 @@
             </p:nvSpPr>
             <p:spPr>
               <a:xfrm>
-                <a:off x="2377787" y="823854"/>
+                <a:off x="2380168" y="823854"/>
                 <a:ext cx="274306" cy="215444"/>
               </a:xfrm>
               <a:prstGeom prst="rect">
@@ -4758,8 +4803,8 @@
           </p:sp>
         </mc:Fallback>
       </mc:AlternateContent>
-      <mc:AlternateContent xmlns:mc="http://schemas.openxmlformats.org/markup-compatibility/2006">
-        <mc:Choice xmlns:a14="http://schemas.microsoft.com/office/drawing/2010/main" Requires="a14">
+      <mc:AlternateContent xmlns:mc="http://schemas.openxmlformats.org/markup-compatibility/2006" xmlns:a14="http://schemas.microsoft.com/office/drawing/2010/main">
+        <mc:Choice Requires="a14">
           <p:sp>
             <p:nvSpPr>
               <p:cNvPr id="189" name="Textfeld 188">
@@ -4849,7 +4894,7 @@
             </p:txBody>
           </p:sp>
         </mc:Choice>
-        <mc:Fallback>
+        <mc:Fallback xmlns="">
           <p:sp>
             <p:nvSpPr>
               <p:cNvPr id="189" name="Textfeld 188">
@@ -4897,8 +4942,8 @@
           </p:sp>
         </mc:Fallback>
       </mc:AlternateContent>
-      <mc:AlternateContent xmlns:mc="http://schemas.openxmlformats.org/markup-compatibility/2006">
-        <mc:Choice xmlns:a14="http://schemas.microsoft.com/office/drawing/2010/main" Requires="a14">
+      <mc:AlternateContent xmlns:mc="http://schemas.openxmlformats.org/markup-compatibility/2006" xmlns:a14="http://schemas.microsoft.com/office/drawing/2010/main">
+        <mc:Choice Requires="a14">
           <p:sp>
             <p:nvSpPr>
               <p:cNvPr id="190" name="Textfeld 189">
@@ -4988,7 +5033,7 @@
             </p:txBody>
           </p:sp>
         </mc:Choice>
-        <mc:Fallback>
+        <mc:Fallback xmlns="">
           <p:sp>
             <p:nvSpPr>
               <p:cNvPr id="190" name="Textfeld 189">
@@ -5036,8 +5081,8 @@
           </p:sp>
         </mc:Fallback>
       </mc:AlternateContent>
-      <mc:AlternateContent xmlns:mc="http://schemas.openxmlformats.org/markup-compatibility/2006">
-        <mc:Choice xmlns:a14="http://schemas.microsoft.com/office/drawing/2010/main" Requires="a14">
+      <mc:AlternateContent xmlns:mc="http://schemas.openxmlformats.org/markup-compatibility/2006" xmlns:a14="http://schemas.microsoft.com/office/drawing/2010/main">
+        <mc:Choice Requires="a14">
           <p:sp>
             <p:nvSpPr>
               <p:cNvPr id="191" name="Textfeld 190">
@@ -5127,7 +5172,7 @@
             </p:txBody>
           </p:sp>
         </mc:Choice>
-        <mc:Fallback>
+        <mc:Fallback xmlns="">
           <p:sp>
             <p:nvSpPr>
               <p:cNvPr id="191" name="Textfeld 190">
@@ -5175,8 +5220,8 @@
           </p:sp>
         </mc:Fallback>
       </mc:AlternateContent>
-      <mc:AlternateContent xmlns:mc="http://schemas.openxmlformats.org/markup-compatibility/2006">
-        <mc:Choice xmlns:a14="http://schemas.microsoft.com/office/drawing/2010/main" Requires="a14">
+      <mc:AlternateContent xmlns:mc="http://schemas.openxmlformats.org/markup-compatibility/2006" xmlns:a14="http://schemas.microsoft.com/office/drawing/2010/main">
+        <mc:Choice Requires="a14">
           <p:sp>
             <p:nvSpPr>
               <p:cNvPr id="192" name="Textfeld 191">
@@ -5266,7 +5311,7 @@
             </p:txBody>
           </p:sp>
         </mc:Choice>
-        <mc:Fallback>
+        <mc:Fallback xmlns="">
           <p:sp>
             <p:nvSpPr>
               <p:cNvPr id="192" name="Textfeld 191">
@@ -5324,13 +5369,6 @@
   <p:clrMapOvr>
     <a:masterClrMapping/>
   </p:clrMapOvr>
-  <p:timing>
-    <p:tnLst>
-      <p:par>
-        <p:cTn id="1" dur="indefinite" restart="never" nodeType="tmRoot"/>
-      </p:par>
-    </p:tnLst>
-  </p:timing>
 </p:sld>
 </file>
 
